--- a/Acechia Presentacion.pptx
+++ b/Acechia Presentacion.pptx
@@ -1,39 +1,39 @@
 
 <file path=ppt/presentation.xml><?xml version="1.0" encoding="utf-8"?>
-<p:presentation xmlns:a="http://schemas.openxmlformats.org/drawingml/2006/main" xmlns:r="http://schemas.openxmlformats.org/officeDocument/2006/relationships" xmlns:p="http://schemas.openxmlformats.org/presentationml/2006/main" saveSubsetFonts="1" embedTrueTypeFonts="true">
+<p:presentation xmlns:a="http://schemas.openxmlformats.org/drawingml/2006/main" xmlns:r="http://schemas.openxmlformats.org/officeDocument/2006/relationships" xmlns:p="http://schemas.openxmlformats.org/presentationml/2006/main" embedTrueTypeFonts="1" saveSubsetFonts="1">
   <p:sldMasterIdLst>
     <p:sldMasterId id="2147483648" r:id="rId1"/>
   </p:sldMasterIdLst>
   <p:sldIdLst>
-    <p:sldId id="256" r:id="rId6"/>
-    <p:sldId id="257" r:id="rId7"/>
-    <p:sldId id="258" r:id="rId8"/>
-    <p:sldId id="259" r:id="rId9"/>
-    <p:sldId id="260" r:id="rId10"/>
-    <p:sldId id="261" r:id="rId11"/>
-    <p:sldId id="262" r:id="rId12"/>
-    <p:sldId id="263" r:id="rId13"/>
-    <p:sldId id="264" r:id="rId14"/>
-    <p:sldId id="265" r:id="rId15"/>
-    <p:sldId id="266" r:id="rId16"/>
-    <p:sldId id="267" r:id="rId17"/>
-    <p:sldId id="268" r:id="rId18"/>
-    <p:sldId id="269" r:id="rId19"/>
+    <p:sldId id="256" r:id="rId2"/>
+    <p:sldId id="257" r:id="rId3"/>
+    <p:sldId id="258" r:id="rId4"/>
+    <p:sldId id="259" r:id="rId5"/>
+    <p:sldId id="260" r:id="rId6"/>
+    <p:sldId id="261" r:id="rId7"/>
+    <p:sldId id="262" r:id="rId8"/>
+    <p:sldId id="263" r:id="rId9"/>
+    <p:sldId id="264" r:id="rId10"/>
+    <p:sldId id="265" r:id="rId11"/>
+    <p:sldId id="266" r:id="rId12"/>
+    <p:sldId id="267" r:id="rId13"/>
+    <p:sldId id="268" r:id="rId14"/>
+    <p:sldId id="269" r:id="rId15"/>
   </p:sldIdLst>
   <p:sldSz cx="18288000" cy="10287000"/>
   <p:notesSz cx="6858000" cy="9144000"/>
   <p:embeddedFontLst>
     <p:embeddedFont>
-      <p:font typeface="Now Bold" charset="1" panose="00000800000000000000"/>
-      <p:regular r:id="rId20"/>
+      <p:font typeface="DM Sans Bold Italics" panose="020B0604020202020204" charset="0"/>
+      <p:regular r:id="rId16"/>
     </p:embeddedFont>
     <p:embeddedFont>
-      <p:font typeface="DM Sans Bold Italics" charset="1" panose="00000000000000000000"/>
-      <p:regular r:id="rId21"/>
+      <p:font typeface="Nickainley" panose="020B0604020202020204" charset="0"/>
+      <p:regular r:id="rId17"/>
     </p:embeddedFont>
     <p:embeddedFont>
-      <p:font typeface="Nickainley" charset="1" panose="00000500000000000000"/>
-      <p:regular r:id="rId22"/>
+      <p:font typeface="Now Bold" panose="020B0604020202020204" charset="0"/>
+      <p:regular r:id="rId18"/>
     </p:embeddedFont>
   </p:embeddedFontLst>
   <p:defaultTextStyle>
@@ -131,6 +131,22 @@
       </a:defRPr>
     </a:lvl9pPr>
   </p:defaultTextStyle>
+  <p:extLst>
+    <p:ext uri="{EFAFB233-063F-42B5-8137-9DF3F51BA10A}">
+      <p15:sldGuideLst xmlns:p15="http://schemas.microsoft.com/office/powerpoint/2012/main">
+        <p15:guide id="1" orient="horz" pos="2160">
+          <p15:clr>
+            <a:srgbClr val="A4A3A4"/>
+          </p15:clr>
+        </p15:guide>
+        <p15:guide id="2" pos="2880">
+          <p15:clr>
+            <a:srgbClr val="A4A3A4"/>
+          </p15:clr>
+        </p15:guide>
+      </p15:sldGuideLst>
+    </p:ext>
+  </p:extLst>
 </p:presentation>
 </file>
 
@@ -172,10 +188,9 @@
           <a:lstStyle/>
           <a:p>
             <a:r>
-              <a:rPr lang="en-US" smtClean="0"/>
+              <a:rPr lang="en-US"/>
               <a:t>Click to edit Master title style</a:t>
             </a:r>
-            <a:endParaRPr lang="en-US"/>
           </a:p>
         </p:txBody>
       </p:sp>
@@ -291,10 +306,9 @@
           </a:lstStyle>
           <a:p>
             <a:r>
-              <a:rPr lang="en-US" smtClean="0"/>
+              <a:rPr lang="en-US"/>
               <a:t>Click to edit Master subtitle style</a:t>
             </a:r>
-            <a:endParaRPr lang="en-US"/>
           </a:p>
         </p:txBody>
       </p:sp>
@@ -316,7 +330,7 @@
             <a:fld id="{1D8BD707-D9CF-40AE-B4C6-C98DA3205C09}" type="datetimeFigureOut">
               <a:rPr lang="en-US" smtClean="0"/>
               <a:pPr/>
-              <a:t>8/1/2011</a:t>
+              <a:t>9/9/2025</a:t>
             </a:fld>
             <a:endParaRPr lang="en-US"/>
           </a:p>
@@ -359,7 +373,7 @@
             <a:fld id="{B6F15528-21DE-4FAA-801E-634DDDAF4B2B}" type="slidenum">
               <a:rPr lang="en-US" smtClean="0"/>
               <a:pPr/>
-              <a:t>‹#›</a:t>
+              <a:t>‹Nº›</a:t>
             </a:fld>
             <a:endParaRPr lang="en-US"/>
           </a:p>
@@ -406,10 +420,9 @@
           <a:lstStyle/>
           <a:p>
             <a:r>
-              <a:rPr lang="en-US" smtClean="0"/>
+              <a:rPr lang="en-US"/>
               <a:t>Click to edit Master title style</a:t>
             </a:r>
-            <a:endParaRPr lang="en-US"/>
           </a:p>
         </p:txBody>
       </p:sp>
@@ -430,38 +443,37 @@
           <a:p>
             <a:pPr lvl="0"/>
             <a:r>
-              <a:rPr lang="en-US" smtClean="0"/>
+              <a:rPr lang="en-US"/>
               <a:t>Click to edit Master text styles</a:t>
             </a:r>
           </a:p>
           <a:p>
             <a:pPr lvl="1"/>
             <a:r>
-              <a:rPr lang="en-US" smtClean="0"/>
+              <a:rPr lang="en-US"/>
               <a:t>Second level</a:t>
             </a:r>
           </a:p>
           <a:p>
             <a:pPr lvl="2"/>
             <a:r>
-              <a:rPr lang="en-US" smtClean="0"/>
+              <a:rPr lang="en-US"/>
               <a:t>Third level</a:t>
             </a:r>
           </a:p>
           <a:p>
             <a:pPr lvl="3"/>
             <a:r>
-              <a:rPr lang="en-US" smtClean="0"/>
+              <a:rPr lang="en-US"/>
               <a:t>Fourth level</a:t>
             </a:r>
           </a:p>
           <a:p>
             <a:pPr lvl="4"/>
             <a:r>
-              <a:rPr lang="en-US" smtClean="0"/>
+              <a:rPr lang="en-US"/>
               <a:t>Fifth level</a:t>
             </a:r>
-            <a:endParaRPr lang="en-US"/>
           </a:p>
         </p:txBody>
       </p:sp>
@@ -483,7 +495,7 @@
             <a:fld id="{1D8BD707-D9CF-40AE-B4C6-C98DA3205C09}" type="datetimeFigureOut">
               <a:rPr lang="en-US" smtClean="0"/>
               <a:pPr/>
-              <a:t>8/1/2011</a:t>
+              <a:t>9/9/2025</a:t>
             </a:fld>
             <a:endParaRPr lang="en-US"/>
           </a:p>
@@ -526,7 +538,7 @@
             <a:fld id="{B6F15528-21DE-4FAA-801E-634DDDAF4B2B}" type="slidenum">
               <a:rPr lang="en-US" smtClean="0"/>
               <a:pPr/>
-              <a:t>‹#›</a:t>
+              <a:t>‹Nº›</a:t>
             </a:fld>
             <a:endParaRPr lang="en-US"/>
           </a:p>
@@ -578,10 +590,9 @@
           <a:lstStyle/>
           <a:p>
             <a:r>
-              <a:rPr lang="en-US" smtClean="0"/>
+              <a:rPr lang="en-US"/>
               <a:t>Click to edit Master title style</a:t>
             </a:r>
-            <a:endParaRPr lang="en-US"/>
           </a:p>
         </p:txBody>
       </p:sp>
@@ -607,38 +618,37 @@
           <a:p>
             <a:pPr lvl="0"/>
             <a:r>
-              <a:rPr lang="en-US" smtClean="0"/>
+              <a:rPr lang="en-US"/>
               <a:t>Click to edit Master text styles</a:t>
             </a:r>
           </a:p>
           <a:p>
             <a:pPr lvl="1"/>
             <a:r>
-              <a:rPr lang="en-US" smtClean="0"/>
+              <a:rPr lang="en-US"/>
               <a:t>Second level</a:t>
             </a:r>
           </a:p>
           <a:p>
             <a:pPr lvl="2"/>
             <a:r>
-              <a:rPr lang="en-US" smtClean="0"/>
+              <a:rPr lang="en-US"/>
               <a:t>Third level</a:t>
             </a:r>
           </a:p>
           <a:p>
             <a:pPr lvl="3"/>
             <a:r>
-              <a:rPr lang="en-US" smtClean="0"/>
+              <a:rPr lang="en-US"/>
               <a:t>Fourth level</a:t>
             </a:r>
           </a:p>
           <a:p>
             <a:pPr lvl="4"/>
             <a:r>
-              <a:rPr lang="en-US" smtClean="0"/>
+              <a:rPr lang="en-US"/>
               <a:t>Fifth level</a:t>
             </a:r>
-            <a:endParaRPr lang="en-US"/>
           </a:p>
         </p:txBody>
       </p:sp>
@@ -660,7 +670,7 @@
             <a:fld id="{1D8BD707-D9CF-40AE-B4C6-C98DA3205C09}" type="datetimeFigureOut">
               <a:rPr lang="en-US" smtClean="0"/>
               <a:pPr/>
-              <a:t>8/1/2011</a:t>
+              <a:t>9/9/2025</a:t>
             </a:fld>
             <a:endParaRPr lang="en-US"/>
           </a:p>
@@ -703,7 +713,7 @@
             <a:fld id="{B6F15528-21DE-4FAA-801E-634DDDAF4B2B}" type="slidenum">
               <a:rPr lang="en-US" smtClean="0"/>
               <a:pPr/>
-              <a:t>‹#›</a:t>
+              <a:t>‹Nº›</a:t>
             </a:fld>
             <a:endParaRPr lang="en-US"/>
           </a:p>
@@ -750,10 +760,9 @@
           <a:lstStyle/>
           <a:p>
             <a:r>
-              <a:rPr lang="en-US" smtClean="0"/>
+              <a:rPr lang="en-US"/>
               <a:t>Click to edit Master title style</a:t>
             </a:r>
-            <a:endParaRPr lang="en-US"/>
           </a:p>
         </p:txBody>
       </p:sp>
@@ -774,38 +783,37 @@
           <a:p>
             <a:pPr lvl="0"/>
             <a:r>
-              <a:rPr lang="en-US" smtClean="0"/>
+              <a:rPr lang="en-US"/>
               <a:t>Click to edit Master text styles</a:t>
             </a:r>
           </a:p>
           <a:p>
             <a:pPr lvl="1"/>
             <a:r>
-              <a:rPr lang="en-US" smtClean="0"/>
+              <a:rPr lang="en-US"/>
               <a:t>Second level</a:t>
             </a:r>
           </a:p>
           <a:p>
             <a:pPr lvl="2"/>
             <a:r>
-              <a:rPr lang="en-US" smtClean="0"/>
+              <a:rPr lang="en-US"/>
               <a:t>Third level</a:t>
             </a:r>
           </a:p>
           <a:p>
             <a:pPr lvl="3"/>
             <a:r>
-              <a:rPr lang="en-US" smtClean="0"/>
+              <a:rPr lang="en-US"/>
               <a:t>Fourth level</a:t>
             </a:r>
           </a:p>
           <a:p>
             <a:pPr lvl="4"/>
             <a:r>
-              <a:rPr lang="en-US" smtClean="0"/>
+              <a:rPr lang="en-US"/>
               <a:t>Fifth level</a:t>
             </a:r>
-            <a:endParaRPr lang="en-US"/>
           </a:p>
         </p:txBody>
       </p:sp>
@@ -827,7 +835,7 @@
             <a:fld id="{1D8BD707-D9CF-40AE-B4C6-C98DA3205C09}" type="datetimeFigureOut">
               <a:rPr lang="en-US" smtClean="0"/>
               <a:pPr/>
-              <a:t>8/1/2011</a:t>
+              <a:t>9/9/2025</a:t>
             </a:fld>
             <a:endParaRPr lang="en-US"/>
           </a:p>
@@ -870,7 +878,7 @@
             <a:fld id="{B6F15528-21DE-4FAA-801E-634DDDAF4B2B}" type="slidenum">
               <a:rPr lang="en-US" smtClean="0"/>
               <a:pPr/>
-              <a:t>‹#›</a:t>
+              <a:t>‹Nº›</a:t>
             </a:fld>
             <a:endParaRPr lang="en-US"/>
           </a:p>
@@ -926,10 +934,9 @@
           </a:lstStyle>
           <a:p>
             <a:r>
-              <a:rPr lang="en-US" smtClean="0"/>
+              <a:rPr lang="en-US"/>
               <a:t>Click to edit Master title style</a:t>
             </a:r>
-            <a:endParaRPr lang="en-US"/>
           </a:p>
         </p:txBody>
       </p:sp>
@@ -1046,7 +1053,7 @@
           <a:p>
             <a:pPr lvl="0"/>
             <a:r>
-              <a:rPr lang="en-US" smtClean="0"/>
+              <a:rPr lang="en-US"/>
               <a:t>Click to edit Master text styles</a:t>
             </a:r>
           </a:p>
@@ -1070,7 +1077,7 @@
             <a:fld id="{1D8BD707-D9CF-40AE-B4C6-C98DA3205C09}" type="datetimeFigureOut">
               <a:rPr lang="en-US" smtClean="0"/>
               <a:pPr/>
-              <a:t>8/1/2011</a:t>
+              <a:t>9/9/2025</a:t>
             </a:fld>
             <a:endParaRPr lang="en-US"/>
           </a:p>
@@ -1113,7 +1120,7 @@
             <a:fld id="{B6F15528-21DE-4FAA-801E-634DDDAF4B2B}" type="slidenum">
               <a:rPr lang="en-US" smtClean="0"/>
               <a:pPr/>
-              <a:t>‹#›</a:t>
+              <a:t>‹Nº›</a:t>
             </a:fld>
             <a:endParaRPr lang="en-US"/>
           </a:p>
@@ -1160,10 +1167,9 @@
           <a:lstStyle/>
           <a:p>
             <a:r>
-              <a:rPr lang="en-US" smtClean="0"/>
+              <a:rPr lang="en-US"/>
               <a:t>Click to edit Master title style</a:t>
             </a:r>
-            <a:endParaRPr lang="en-US"/>
           </a:p>
         </p:txBody>
       </p:sp>
@@ -1217,38 +1223,37 @@
           <a:p>
             <a:pPr lvl="0"/>
             <a:r>
-              <a:rPr lang="en-US" smtClean="0"/>
+              <a:rPr lang="en-US"/>
               <a:t>Click to edit Master text styles</a:t>
             </a:r>
           </a:p>
           <a:p>
             <a:pPr lvl="1"/>
             <a:r>
-              <a:rPr lang="en-US" smtClean="0"/>
+              <a:rPr lang="en-US"/>
               <a:t>Second level</a:t>
             </a:r>
           </a:p>
           <a:p>
             <a:pPr lvl="2"/>
             <a:r>
-              <a:rPr lang="en-US" smtClean="0"/>
+              <a:rPr lang="en-US"/>
               <a:t>Third level</a:t>
             </a:r>
           </a:p>
           <a:p>
             <a:pPr lvl="3"/>
             <a:r>
-              <a:rPr lang="en-US" smtClean="0"/>
+              <a:rPr lang="en-US"/>
               <a:t>Fourth level</a:t>
             </a:r>
           </a:p>
           <a:p>
             <a:pPr lvl="4"/>
             <a:r>
-              <a:rPr lang="en-US" smtClean="0"/>
+              <a:rPr lang="en-US"/>
               <a:t>Fifth level</a:t>
             </a:r>
-            <a:endParaRPr lang="en-US"/>
           </a:p>
         </p:txBody>
       </p:sp>
@@ -1302,38 +1307,37 @@
           <a:p>
             <a:pPr lvl="0"/>
             <a:r>
-              <a:rPr lang="en-US" smtClean="0"/>
+              <a:rPr lang="en-US"/>
               <a:t>Click to edit Master text styles</a:t>
             </a:r>
           </a:p>
           <a:p>
             <a:pPr lvl="1"/>
             <a:r>
-              <a:rPr lang="en-US" smtClean="0"/>
+              <a:rPr lang="en-US"/>
               <a:t>Second level</a:t>
             </a:r>
           </a:p>
           <a:p>
             <a:pPr lvl="2"/>
             <a:r>
-              <a:rPr lang="en-US" smtClean="0"/>
+              <a:rPr lang="en-US"/>
               <a:t>Third level</a:t>
             </a:r>
           </a:p>
           <a:p>
             <a:pPr lvl="3"/>
             <a:r>
-              <a:rPr lang="en-US" smtClean="0"/>
+              <a:rPr lang="en-US"/>
               <a:t>Fourth level</a:t>
             </a:r>
           </a:p>
           <a:p>
             <a:pPr lvl="4"/>
             <a:r>
-              <a:rPr lang="en-US" smtClean="0"/>
+              <a:rPr lang="en-US"/>
               <a:t>Fifth level</a:t>
             </a:r>
-            <a:endParaRPr lang="en-US"/>
           </a:p>
         </p:txBody>
       </p:sp>
@@ -1355,7 +1359,7 @@
             <a:fld id="{1D8BD707-D9CF-40AE-B4C6-C98DA3205C09}" type="datetimeFigureOut">
               <a:rPr lang="en-US" smtClean="0"/>
               <a:pPr/>
-              <a:t>8/1/2011</a:t>
+              <a:t>9/9/2025</a:t>
             </a:fld>
             <a:endParaRPr lang="en-US"/>
           </a:p>
@@ -1398,7 +1402,7 @@
             <a:fld id="{B6F15528-21DE-4FAA-801E-634DDDAF4B2B}" type="slidenum">
               <a:rPr lang="en-US" smtClean="0"/>
               <a:pPr/>
-              <a:t>‹#›</a:t>
+              <a:t>‹Nº›</a:t>
             </a:fld>
             <a:endParaRPr lang="en-US"/>
           </a:p>
@@ -1449,10 +1453,9 @@
           </a:lstStyle>
           <a:p>
             <a:r>
-              <a:rPr lang="en-US" smtClean="0"/>
+              <a:rPr lang="en-US"/>
               <a:t>Click to edit Master title style</a:t>
             </a:r>
-            <a:endParaRPr lang="en-US"/>
           </a:p>
         </p:txBody>
       </p:sp>
@@ -1515,7 +1518,7 @@
           <a:p>
             <a:pPr lvl="0"/>
             <a:r>
-              <a:rPr lang="en-US" smtClean="0"/>
+              <a:rPr lang="en-US"/>
               <a:t>Click to edit Master text styles</a:t>
             </a:r>
           </a:p>
@@ -1571,38 +1574,37 @@
           <a:p>
             <a:pPr lvl="0"/>
             <a:r>
-              <a:rPr lang="en-US" smtClean="0"/>
+              <a:rPr lang="en-US"/>
               <a:t>Click to edit Master text styles</a:t>
             </a:r>
           </a:p>
           <a:p>
             <a:pPr lvl="1"/>
             <a:r>
-              <a:rPr lang="en-US" smtClean="0"/>
+              <a:rPr lang="en-US"/>
               <a:t>Second level</a:t>
             </a:r>
           </a:p>
           <a:p>
             <a:pPr lvl="2"/>
             <a:r>
-              <a:rPr lang="en-US" smtClean="0"/>
+              <a:rPr lang="en-US"/>
               <a:t>Third level</a:t>
             </a:r>
           </a:p>
           <a:p>
             <a:pPr lvl="3"/>
             <a:r>
-              <a:rPr lang="en-US" smtClean="0"/>
+              <a:rPr lang="en-US"/>
               <a:t>Fourth level</a:t>
             </a:r>
           </a:p>
           <a:p>
             <a:pPr lvl="4"/>
             <a:r>
-              <a:rPr lang="en-US" smtClean="0"/>
+              <a:rPr lang="en-US"/>
               <a:t>Fifth level</a:t>
             </a:r>
-            <a:endParaRPr lang="en-US"/>
           </a:p>
         </p:txBody>
       </p:sp>
@@ -1665,7 +1667,7 @@
           <a:p>
             <a:pPr lvl="0"/>
             <a:r>
-              <a:rPr lang="en-US" smtClean="0"/>
+              <a:rPr lang="en-US"/>
               <a:t>Click to edit Master text styles</a:t>
             </a:r>
           </a:p>
@@ -1721,38 +1723,37 @@
           <a:p>
             <a:pPr lvl="0"/>
             <a:r>
-              <a:rPr lang="en-US" smtClean="0"/>
+              <a:rPr lang="en-US"/>
               <a:t>Click to edit Master text styles</a:t>
             </a:r>
           </a:p>
           <a:p>
             <a:pPr lvl="1"/>
             <a:r>
-              <a:rPr lang="en-US" smtClean="0"/>
+              <a:rPr lang="en-US"/>
               <a:t>Second level</a:t>
             </a:r>
           </a:p>
           <a:p>
             <a:pPr lvl="2"/>
             <a:r>
-              <a:rPr lang="en-US" smtClean="0"/>
+              <a:rPr lang="en-US"/>
               <a:t>Third level</a:t>
             </a:r>
           </a:p>
           <a:p>
             <a:pPr lvl="3"/>
             <a:r>
-              <a:rPr lang="en-US" smtClean="0"/>
+              <a:rPr lang="en-US"/>
               <a:t>Fourth level</a:t>
             </a:r>
           </a:p>
           <a:p>
             <a:pPr lvl="4"/>
             <a:r>
-              <a:rPr lang="en-US" smtClean="0"/>
+              <a:rPr lang="en-US"/>
               <a:t>Fifth level</a:t>
             </a:r>
-            <a:endParaRPr lang="en-US"/>
           </a:p>
         </p:txBody>
       </p:sp>
@@ -1774,7 +1775,7 @@
             <a:fld id="{1D8BD707-D9CF-40AE-B4C6-C98DA3205C09}" type="datetimeFigureOut">
               <a:rPr lang="en-US" smtClean="0"/>
               <a:pPr/>
-              <a:t>8/1/2011</a:t>
+              <a:t>9/9/2025</a:t>
             </a:fld>
             <a:endParaRPr lang="en-US"/>
           </a:p>
@@ -1817,7 +1818,7 @@
             <a:fld id="{B6F15528-21DE-4FAA-801E-634DDDAF4B2B}" type="slidenum">
               <a:rPr lang="en-US" smtClean="0"/>
               <a:pPr/>
-              <a:t>‹#›</a:t>
+              <a:t>‹Nº›</a:t>
             </a:fld>
             <a:endParaRPr lang="en-US"/>
           </a:p>
@@ -1864,10 +1865,9 @@
           <a:lstStyle/>
           <a:p>
             <a:r>
-              <a:rPr lang="en-US" smtClean="0"/>
+              <a:rPr lang="en-US"/>
               <a:t>Click to edit Master title style</a:t>
             </a:r>
-            <a:endParaRPr lang="en-US"/>
           </a:p>
         </p:txBody>
       </p:sp>
@@ -1889,7 +1889,7 @@
             <a:fld id="{1D8BD707-D9CF-40AE-B4C6-C98DA3205C09}" type="datetimeFigureOut">
               <a:rPr lang="en-US" smtClean="0"/>
               <a:pPr/>
-              <a:t>8/1/2011</a:t>
+              <a:t>9/9/2025</a:t>
             </a:fld>
             <a:endParaRPr lang="en-US"/>
           </a:p>
@@ -1932,7 +1932,7 @@
             <a:fld id="{B6F15528-21DE-4FAA-801E-634DDDAF4B2B}" type="slidenum">
               <a:rPr lang="en-US" smtClean="0"/>
               <a:pPr/>
-              <a:t>‹#›</a:t>
+              <a:t>‹Nº›</a:t>
             </a:fld>
             <a:endParaRPr lang="en-US"/>
           </a:p>
@@ -1981,7 +1981,7 @@
             <a:fld id="{1D8BD707-D9CF-40AE-B4C6-C98DA3205C09}" type="datetimeFigureOut">
               <a:rPr lang="en-US" smtClean="0"/>
               <a:pPr/>
-              <a:t>8/1/2011</a:t>
+              <a:t>9/9/2025</a:t>
             </a:fld>
             <a:endParaRPr lang="en-US"/>
           </a:p>
@@ -2024,7 +2024,7 @@
             <a:fld id="{B6F15528-21DE-4FAA-801E-634DDDAF4B2B}" type="slidenum">
               <a:rPr lang="en-US" smtClean="0"/>
               <a:pPr/>
-              <a:t>‹#›</a:t>
+              <a:t>‹Nº›</a:t>
             </a:fld>
             <a:endParaRPr lang="en-US"/>
           </a:p>
@@ -2080,10 +2080,9 @@
           </a:lstStyle>
           <a:p>
             <a:r>
-              <a:rPr lang="en-US" smtClean="0"/>
+              <a:rPr lang="en-US"/>
               <a:t>Click to edit Master title style</a:t>
             </a:r>
-            <a:endParaRPr lang="en-US"/>
           </a:p>
         </p:txBody>
       </p:sp>
@@ -2137,38 +2136,37 @@
           <a:p>
             <a:pPr lvl="0"/>
             <a:r>
-              <a:rPr lang="en-US" smtClean="0"/>
+              <a:rPr lang="en-US"/>
               <a:t>Click to edit Master text styles</a:t>
             </a:r>
           </a:p>
           <a:p>
             <a:pPr lvl="1"/>
             <a:r>
-              <a:rPr lang="en-US" smtClean="0"/>
+              <a:rPr lang="en-US"/>
               <a:t>Second level</a:t>
             </a:r>
           </a:p>
           <a:p>
             <a:pPr lvl="2"/>
             <a:r>
-              <a:rPr lang="en-US" smtClean="0"/>
+              <a:rPr lang="en-US"/>
               <a:t>Third level</a:t>
             </a:r>
           </a:p>
           <a:p>
             <a:pPr lvl="3"/>
             <a:r>
-              <a:rPr lang="en-US" smtClean="0"/>
+              <a:rPr lang="en-US"/>
               <a:t>Fourth level</a:t>
             </a:r>
           </a:p>
           <a:p>
             <a:pPr lvl="4"/>
             <a:r>
-              <a:rPr lang="en-US" smtClean="0"/>
+              <a:rPr lang="en-US"/>
               <a:t>Fifth level</a:t>
             </a:r>
-            <a:endParaRPr lang="en-US"/>
           </a:p>
         </p:txBody>
       </p:sp>
@@ -2231,7 +2229,7 @@
           <a:p>
             <a:pPr lvl="0"/>
             <a:r>
-              <a:rPr lang="en-US" smtClean="0"/>
+              <a:rPr lang="en-US"/>
               <a:t>Click to edit Master text styles</a:t>
             </a:r>
           </a:p>
@@ -2255,7 +2253,7 @@
             <a:fld id="{1D8BD707-D9CF-40AE-B4C6-C98DA3205C09}" type="datetimeFigureOut">
               <a:rPr lang="en-US" smtClean="0"/>
               <a:pPr/>
-              <a:t>8/1/2011</a:t>
+              <a:t>9/9/2025</a:t>
             </a:fld>
             <a:endParaRPr lang="en-US"/>
           </a:p>
@@ -2298,7 +2296,7 @@
             <a:fld id="{B6F15528-21DE-4FAA-801E-634DDDAF4B2B}" type="slidenum">
               <a:rPr lang="en-US" smtClean="0"/>
               <a:pPr/>
-              <a:t>‹#›</a:t>
+              <a:t>‹Nº›</a:t>
             </a:fld>
             <a:endParaRPr lang="en-US"/>
           </a:p>
@@ -2354,10 +2352,9 @@
           </a:lstStyle>
           <a:p>
             <a:r>
-              <a:rPr lang="en-US" smtClean="0"/>
+              <a:rPr lang="en-US"/>
               <a:t>Click to edit Master title style</a:t>
             </a:r>
-            <a:endParaRPr lang="en-US"/>
           </a:p>
         </p:txBody>
       </p:sp>
@@ -2481,7 +2478,7 @@
           <a:p>
             <a:pPr lvl="0"/>
             <a:r>
-              <a:rPr lang="en-US" smtClean="0"/>
+              <a:rPr lang="en-US"/>
               <a:t>Click to edit Master text styles</a:t>
             </a:r>
           </a:p>
@@ -2505,7 +2502,7 @@
             <a:fld id="{1D8BD707-D9CF-40AE-B4C6-C98DA3205C09}" type="datetimeFigureOut">
               <a:rPr lang="en-US" smtClean="0"/>
               <a:pPr/>
-              <a:t>8/1/2011</a:t>
+              <a:t>9/9/2025</a:t>
             </a:fld>
             <a:endParaRPr lang="en-US"/>
           </a:p>
@@ -2548,7 +2545,7 @@
             <a:fld id="{B6F15528-21DE-4FAA-801E-634DDDAF4B2B}" type="slidenum">
               <a:rPr lang="en-US" smtClean="0"/>
               <a:pPr/>
-              <a:t>‹#›</a:t>
+              <a:t>‹Nº›</a:t>
             </a:fld>
             <a:endParaRPr lang="en-US"/>
           </a:p>
@@ -2610,10 +2607,9 @@
           <a:lstStyle/>
           <a:p>
             <a:r>
-              <a:rPr lang="en-US" smtClean="0"/>
+              <a:rPr lang="en-US"/>
               <a:t>Click to edit Master title style</a:t>
             </a:r>
-            <a:endParaRPr lang="en-US"/>
           </a:p>
         </p:txBody>
       </p:sp>
@@ -2644,38 +2640,37 @@
           <a:p>
             <a:pPr lvl="0"/>
             <a:r>
-              <a:rPr lang="en-US" smtClean="0"/>
+              <a:rPr lang="en-US"/>
               <a:t>Click to edit Master text styles</a:t>
             </a:r>
           </a:p>
           <a:p>
             <a:pPr lvl="1"/>
             <a:r>
-              <a:rPr lang="en-US" smtClean="0"/>
+              <a:rPr lang="en-US"/>
               <a:t>Second level</a:t>
             </a:r>
           </a:p>
           <a:p>
             <a:pPr lvl="2"/>
             <a:r>
-              <a:rPr lang="en-US" smtClean="0"/>
+              <a:rPr lang="en-US"/>
               <a:t>Third level</a:t>
             </a:r>
           </a:p>
           <a:p>
             <a:pPr lvl="3"/>
             <a:r>
-              <a:rPr lang="en-US" smtClean="0"/>
+              <a:rPr lang="en-US"/>
               <a:t>Fourth level</a:t>
             </a:r>
           </a:p>
           <a:p>
             <a:pPr lvl="4"/>
             <a:r>
-              <a:rPr lang="en-US" smtClean="0"/>
+              <a:rPr lang="en-US"/>
               <a:t>Fifth level</a:t>
             </a:r>
-            <a:endParaRPr lang="en-US"/>
           </a:p>
         </p:txBody>
       </p:sp>
@@ -2715,7 +2710,7 @@
             <a:fld id="{1D8BD707-D9CF-40AE-B4C6-C98DA3205C09}" type="datetimeFigureOut">
               <a:rPr lang="en-US" smtClean="0"/>
               <a:pPr/>
-              <a:t>8/1/2011</a:t>
+              <a:t>9/9/2025</a:t>
             </a:fld>
             <a:endParaRPr lang="en-US"/>
           </a:p>
@@ -2794,7 +2789,7 @@
             <a:fld id="{B6F15528-21DE-4FAA-801E-634DDDAF4B2B}" type="slidenum">
               <a:rPr lang="en-US" smtClean="0"/>
               <a:pPr/>
-              <a:t>‹#›</a:t>
+              <a:t>‹Nº›</a:t>
             </a:fld>
             <a:endParaRPr lang="en-US"/>
           </a:p>
@@ -3070,7 +3065,7 @@
 </file>
 
 <file path=ppt/slides/slide1.xml><?xml version="1.0" encoding="utf-8"?>
-<p:sld xmlns:p="http://schemas.openxmlformats.org/presentationml/2006/main" xmlns:a="http://schemas.openxmlformats.org/drawingml/2006/main" xmlns:r="http://schemas.openxmlformats.org/officeDocument/2006/relationships">
+<p:sld xmlns:a="http://schemas.openxmlformats.org/drawingml/2006/main" xmlns:r="http://schemas.openxmlformats.org/officeDocument/2006/relationships" xmlns:p="http://schemas.openxmlformats.org/presentationml/2006/main">
   <p:cSld>
     <p:spTree>
       <p:nvGrpSpPr>
@@ -3088,12 +3083,12 @@
       </p:grpSpPr>
       <p:sp>
         <p:nvSpPr>
-          <p:cNvPr name="Freeform 2" id="2"/>
+          <p:cNvPr id="2" name="Freeform 2"/>
           <p:cNvSpPr/>
           <p:nvPr/>
         </p:nvSpPr>
         <p:spPr>
-          <a:xfrm flipH="false" flipV="false" rot="1748409">
+          <a:xfrm rot="1748409">
             <a:off x="-1871927" y="7973496"/>
             <a:ext cx="6755091" cy="6130246"/>
           </a:xfrm>
@@ -3102,9 +3097,9 @@
             <a:gdLst/>
             <a:ahLst/>
             <a:cxnLst/>
-            <a:rect r="r" b="b" t="t" l="l"/>
+            <a:rect l="l" t="t" r="r" b="b"/>
             <a:pathLst>
-              <a:path h="6130246" w="6755091">
+              <a:path w="6755091" h="6130246">
                 <a:moveTo>
                   <a:pt x="0" y="0"/>
                 </a:moveTo>
@@ -3127,19 +3122,26 @@
           <a:blipFill>
             <a:blip r:embed="rId2"/>
             <a:stretch>
-              <a:fillRect l="0" t="0" r="0" b="0"/>
+              <a:fillRect/>
             </a:stretch>
           </a:blipFill>
         </p:spPr>
-      </p:sp>
-      <p:sp>
-        <p:nvSpPr>
-          <p:cNvPr name="Freeform 3" id="3"/>
+        <p:txBody>
+          <a:bodyPr/>
+          <a:lstStyle/>
+          <a:p>
+            <a:endParaRPr lang="es-CL"/>
+          </a:p>
+        </p:txBody>
+      </p:sp>
+      <p:sp>
+        <p:nvSpPr>
+          <p:cNvPr id="3" name="Freeform 3"/>
           <p:cNvSpPr/>
           <p:nvPr/>
         </p:nvSpPr>
         <p:spPr>
-          <a:xfrm flipH="false" flipV="false" rot="2223819">
+          <a:xfrm rot="2223819">
             <a:off x="10214960" y="-5715833"/>
             <a:ext cx="12596877" cy="11431666"/>
           </a:xfrm>
@@ -3148,9 +3150,9 @@
             <a:gdLst/>
             <a:ahLst/>
             <a:cxnLst/>
-            <a:rect r="r" b="b" t="t" l="l"/>
+            <a:rect l="l" t="t" r="r" b="b"/>
             <a:pathLst>
-              <a:path h="11431666" w="12596877">
+              <a:path w="12596877" h="11431666">
                 <a:moveTo>
                   <a:pt x="0" y="0"/>
                 </a:moveTo>
@@ -3173,19 +3175,26 @@
           <a:blipFill>
             <a:blip r:embed="rId2"/>
             <a:stretch>
-              <a:fillRect l="0" t="0" r="0" b="0"/>
+              <a:fillRect/>
             </a:stretch>
           </a:blipFill>
         </p:spPr>
-      </p:sp>
-      <p:sp>
-        <p:nvSpPr>
-          <p:cNvPr name="Freeform 4" id="4"/>
+        <p:txBody>
+          <a:bodyPr/>
+          <a:lstStyle/>
+          <a:p>
+            <a:endParaRPr lang="es-CL"/>
+          </a:p>
+        </p:txBody>
+      </p:sp>
+      <p:sp>
+        <p:nvSpPr>
+          <p:cNvPr id="4" name="Freeform 4"/>
           <p:cNvSpPr/>
           <p:nvPr/>
         </p:nvSpPr>
         <p:spPr>
-          <a:xfrm flipH="false" flipV="false" rot="0">
+          <a:xfrm>
             <a:off x="-1028700" y="-1435399"/>
             <a:ext cx="4114800" cy="4114800"/>
           </a:xfrm>
@@ -3194,9 +3203,9 @@
             <a:gdLst/>
             <a:ahLst/>
             <a:cxnLst/>
-            <a:rect r="r" b="b" t="t" l="l"/>
+            <a:rect l="l" t="t" r="r" b="b"/>
             <a:pathLst>
-              <a:path h="4114800" w="4114800">
+              <a:path w="4114800" h="4114800">
                 <a:moveTo>
                   <a:pt x="0" y="0"/>
                 </a:moveTo>
@@ -3226,19 +3235,26 @@
               </a:extLst>
             </a:blip>
             <a:stretch>
-              <a:fillRect l="0" t="0" r="0" b="0"/>
+              <a:fillRect/>
             </a:stretch>
           </a:blipFill>
         </p:spPr>
-      </p:sp>
-      <p:sp>
-        <p:nvSpPr>
-          <p:cNvPr name="Freeform 5" id="5"/>
+        <p:txBody>
+          <a:bodyPr/>
+          <a:lstStyle/>
+          <a:p>
+            <a:endParaRPr lang="es-CL"/>
+          </a:p>
+        </p:txBody>
+      </p:sp>
+      <p:sp>
+        <p:nvSpPr>
+          <p:cNvPr id="5" name="Freeform 5"/>
           <p:cNvSpPr/>
           <p:nvPr/>
         </p:nvSpPr>
         <p:spPr>
-          <a:xfrm flipH="false" flipV="false" rot="-8194833">
+          <a:xfrm rot="-8194833">
             <a:off x="14482979" y="8370874"/>
             <a:ext cx="5020066" cy="5020066"/>
           </a:xfrm>
@@ -3247,9 +3263,9 @@
             <a:gdLst/>
             <a:ahLst/>
             <a:cxnLst/>
-            <a:rect r="r" b="b" t="t" l="l"/>
+            <a:rect l="l" t="t" r="r" b="b"/>
             <a:pathLst>
-              <a:path h="5020066" w="5020066">
+              <a:path w="5020066" h="5020066">
                 <a:moveTo>
                   <a:pt x="0" y="0"/>
                 </a:moveTo>
@@ -3279,19 +3295,26 @@
               </a:extLst>
             </a:blip>
             <a:stretch>
-              <a:fillRect l="0" t="0" r="0" b="0"/>
+              <a:fillRect/>
             </a:stretch>
           </a:blipFill>
         </p:spPr>
-      </p:sp>
-      <p:sp>
-        <p:nvSpPr>
-          <p:cNvPr name="Freeform 6" id="6"/>
+        <p:txBody>
+          <a:bodyPr/>
+          <a:lstStyle/>
+          <a:p>
+            <a:endParaRPr lang="es-CL"/>
+          </a:p>
+        </p:txBody>
+      </p:sp>
+      <p:sp>
+        <p:nvSpPr>
+          <p:cNvPr id="6" name="Freeform 6"/>
           <p:cNvSpPr/>
           <p:nvPr/>
         </p:nvSpPr>
         <p:spPr>
-          <a:xfrm flipH="false" flipV="false" rot="0">
+          <a:xfrm>
             <a:off x="11289605" y="5017577"/>
             <a:ext cx="1173233" cy="1164700"/>
           </a:xfrm>
@@ -3300,9 +3323,9 @@
             <a:gdLst/>
             <a:ahLst/>
             <a:cxnLst/>
-            <a:rect r="r" b="b" t="t" l="l"/>
+            <a:rect l="l" t="t" r="r" b="b"/>
             <a:pathLst>
-              <a:path h="1164700" w="1173233">
+              <a:path w="1173233" h="1164700">
                 <a:moveTo>
                   <a:pt x="0" y="0"/>
                 </a:moveTo>
@@ -3331,19 +3354,26 @@
               </a:extLst>
             </a:blip>
             <a:stretch>
-              <a:fillRect l="0" t="0" r="0" b="0"/>
+              <a:fillRect/>
             </a:stretch>
           </a:blipFill>
         </p:spPr>
-      </p:sp>
-      <p:sp>
-        <p:nvSpPr>
-          <p:cNvPr name="Freeform 7" id="7"/>
+        <p:txBody>
+          <a:bodyPr/>
+          <a:lstStyle/>
+          <a:p>
+            <a:endParaRPr lang="es-CL"/>
+          </a:p>
+        </p:txBody>
+      </p:sp>
+      <p:sp>
+        <p:nvSpPr>
+          <p:cNvPr id="7" name="Freeform 7"/>
           <p:cNvSpPr/>
           <p:nvPr/>
         </p:nvSpPr>
         <p:spPr>
-          <a:xfrm flipH="false" flipV="false" rot="0">
+          <a:xfrm>
             <a:off x="1316740" y="4758948"/>
             <a:ext cx="9644982" cy="1681959"/>
           </a:xfrm>
@@ -3352,9 +3382,9 @@
             <a:gdLst/>
             <a:ahLst/>
             <a:cxnLst/>
-            <a:rect r="r" b="b" t="t" l="l"/>
+            <a:rect l="l" t="t" r="r" b="b"/>
             <a:pathLst>
-              <a:path h="1681959" w="9644982">
+              <a:path w="9644982" h="1681959">
                 <a:moveTo>
                   <a:pt x="0" y="0"/>
                 </a:moveTo>
@@ -3377,19 +3407,26 @@
           <a:blipFill>
             <a:blip r:embed="rId7"/>
             <a:stretch>
-              <a:fillRect l="0" t="0" r="0" b="0"/>
+              <a:fillRect/>
             </a:stretch>
           </a:blipFill>
         </p:spPr>
-      </p:sp>
-      <p:sp>
-        <p:nvSpPr>
-          <p:cNvPr name="TextBox 8" id="8"/>
-          <p:cNvSpPr txBox="true"/>
-          <p:nvPr/>
-        </p:nvSpPr>
-        <p:spPr>
-          <a:xfrm rot="0">
+        <p:txBody>
+          <a:bodyPr/>
+          <a:lstStyle/>
+          <a:p>
+            <a:endParaRPr lang="es-CL"/>
+          </a:p>
+        </p:txBody>
+      </p:sp>
+      <p:sp>
+        <p:nvSpPr>
+          <p:cNvPr id="8" name="TextBox 8"/>
+          <p:cNvSpPr txBox="1"/>
+          <p:nvPr/>
+        </p:nvSpPr>
+        <p:spPr>
+          <a:xfrm>
             <a:off x="1316740" y="3293364"/>
             <a:ext cx="8547187" cy="1189359"/>
           </a:xfrm>
@@ -3398,7 +3435,7 @@
           </a:prstGeom>
         </p:spPr>
         <p:txBody>
-          <a:bodyPr anchor="t" rtlCol="false" tIns="0" lIns="0" bIns="0" rIns="0">
+          <a:bodyPr lIns="0" tIns="0" rIns="0" bIns="0" rtlCol="0" anchor="t">
             <a:spAutoFit/>
           </a:bodyPr>
           <a:lstStyle/>
@@ -3409,7 +3446,7 @@
               </a:lnSpc>
             </a:pPr>
             <a:r>
-              <a:rPr lang="en-US" sz="6858" b="true">
+              <a:rPr lang="en-US" sz="6858" b="1">
                 <a:solidFill>
                   <a:srgbClr val="048AFF"/>
                 </a:solidFill>
@@ -3425,12 +3462,12 @@
       </p:sp>
       <p:sp>
         <p:nvSpPr>
-          <p:cNvPr name="TextBox 9" id="9"/>
-          <p:cNvSpPr txBox="true"/>
-          <p:nvPr/>
-        </p:nvSpPr>
-        <p:spPr>
-          <a:xfrm rot="0">
+          <p:cNvPr id="9" name="TextBox 9"/>
+          <p:cNvSpPr txBox="1"/>
+          <p:nvPr/>
+        </p:nvSpPr>
+        <p:spPr>
+          <a:xfrm>
             <a:off x="1691593" y="6697707"/>
             <a:ext cx="7827699" cy="502033"/>
           </a:xfrm>
@@ -3439,12 +3476,12 @@
           </a:prstGeom>
         </p:spPr>
         <p:txBody>
-          <a:bodyPr anchor="t" rtlCol="false" tIns="0" lIns="0" bIns="0" rIns="0">
+          <a:bodyPr lIns="0" tIns="0" rIns="0" bIns="0" rtlCol="0" anchor="t">
             <a:spAutoFit/>
           </a:bodyPr>
           <a:lstStyle/>
           <a:p>
-            <a:pPr algn="l" marL="0" indent="0" lvl="0">
+            <a:pPr marL="0" lvl="0" indent="0" algn="l">
               <a:lnSpc>
                 <a:spcPts val="3952"/>
               </a:lnSpc>
@@ -3453,7 +3490,7 @@
               </a:spcBef>
             </a:pPr>
             <a:r>
-              <a:rPr lang="en-US" b="true" sz="3213" i="true">
+              <a:rPr lang="en-US" sz="3213" b="1" i="1">
                 <a:solidFill>
                   <a:srgbClr val="404040"/>
                 </a:solidFill>
@@ -3476,7 +3513,7 @@
 </file>
 
 <file path=ppt/slides/slide10.xml><?xml version="1.0" encoding="utf-8"?>
-<p:sld xmlns:p="http://schemas.openxmlformats.org/presentationml/2006/main" xmlns:a="http://schemas.openxmlformats.org/drawingml/2006/main" xmlns:r="http://schemas.openxmlformats.org/officeDocument/2006/relationships">
+<p:sld xmlns:a="http://schemas.openxmlformats.org/drawingml/2006/main" xmlns:r="http://schemas.openxmlformats.org/officeDocument/2006/relationships" xmlns:p="http://schemas.openxmlformats.org/presentationml/2006/main">
   <p:cSld>
     <p:spTree>
       <p:nvGrpSpPr>
@@ -3494,12 +3531,12 @@
       </p:grpSpPr>
       <p:sp>
         <p:nvSpPr>
-          <p:cNvPr name="Freeform 2" id="2"/>
+          <p:cNvPr id="2" name="Freeform 2"/>
           <p:cNvSpPr/>
           <p:nvPr/>
         </p:nvSpPr>
         <p:spPr>
-          <a:xfrm flipH="false" flipV="false" rot="1748409">
+          <a:xfrm rot="1748409">
             <a:off x="-1871927" y="7973496"/>
             <a:ext cx="6755091" cy="6130246"/>
           </a:xfrm>
@@ -3508,9 +3545,9 @@
             <a:gdLst/>
             <a:ahLst/>
             <a:cxnLst/>
-            <a:rect r="r" b="b" t="t" l="l"/>
+            <a:rect l="l" t="t" r="r" b="b"/>
             <a:pathLst>
-              <a:path h="6130246" w="6755091">
+              <a:path w="6755091" h="6130246">
                 <a:moveTo>
                   <a:pt x="0" y="0"/>
                 </a:moveTo>
@@ -3535,19 +3572,26 @@
               <a:alphaModFix amt="21999"/>
             </a:blip>
             <a:stretch>
-              <a:fillRect l="0" t="0" r="0" b="0"/>
+              <a:fillRect/>
             </a:stretch>
           </a:blipFill>
         </p:spPr>
-      </p:sp>
-      <p:sp>
-        <p:nvSpPr>
-          <p:cNvPr name="Freeform 3" id="3"/>
+        <p:txBody>
+          <a:bodyPr/>
+          <a:lstStyle/>
+          <a:p>
+            <a:endParaRPr lang="es-CL"/>
+          </a:p>
+        </p:txBody>
+      </p:sp>
+      <p:sp>
+        <p:nvSpPr>
+          <p:cNvPr id="3" name="Freeform 3"/>
           <p:cNvSpPr/>
           <p:nvPr/>
         </p:nvSpPr>
         <p:spPr>
-          <a:xfrm flipH="false" flipV="false" rot="2223819">
+          <a:xfrm rot="2223819">
             <a:off x="10214960" y="-5715833"/>
             <a:ext cx="12596877" cy="11431666"/>
           </a:xfrm>
@@ -3556,9 +3600,9 @@
             <a:gdLst/>
             <a:ahLst/>
             <a:cxnLst/>
-            <a:rect r="r" b="b" t="t" l="l"/>
+            <a:rect l="l" t="t" r="r" b="b"/>
             <a:pathLst>
-              <a:path h="11431666" w="12596877">
+              <a:path w="12596877" h="11431666">
                 <a:moveTo>
                   <a:pt x="0" y="0"/>
                 </a:moveTo>
@@ -3583,19 +3627,26 @@
               <a:alphaModFix amt="10999"/>
             </a:blip>
             <a:stretch>
-              <a:fillRect l="0" t="0" r="0" b="0"/>
+              <a:fillRect/>
             </a:stretch>
           </a:blipFill>
         </p:spPr>
-      </p:sp>
-      <p:sp>
-        <p:nvSpPr>
-          <p:cNvPr name="Freeform 4" id="4"/>
+        <p:txBody>
+          <a:bodyPr/>
+          <a:lstStyle/>
+          <a:p>
+            <a:endParaRPr lang="es-CL"/>
+          </a:p>
+        </p:txBody>
+      </p:sp>
+      <p:sp>
+        <p:nvSpPr>
+          <p:cNvPr id="4" name="Freeform 4"/>
           <p:cNvSpPr/>
           <p:nvPr/>
         </p:nvSpPr>
         <p:spPr>
-          <a:xfrm flipH="false" flipV="false" rot="0">
+          <a:xfrm>
             <a:off x="-830107" y="-1296384"/>
             <a:ext cx="4114800" cy="4114800"/>
           </a:xfrm>
@@ -3604,9 +3655,9 @@
             <a:gdLst/>
             <a:ahLst/>
             <a:cxnLst/>
-            <a:rect r="r" b="b" t="t" l="l"/>
+            <a:rect l="l" t="t" r="r" b="b"/>
             <a:pathLst>
-              <a:path h="4114800" w="4114800">
+              <a:path w="4114800" h="4114800">
                 <a:moveTo>
                   <a:pt x="0" y="0"/>
                 </a:moveTo>
@@ -3636,19 +3687,26 @@
               </a:extLst>
             </a:blip>
             <a:stretch>
-              <a:fillRect l="0" t="0" r="0" b="0"/>
+              <a:fillRect/>
             </a:stretch>
           </a:blipFill>
         </p:spPr>
-      </p:sp>
-      <p:sp>
-        <p:nvSpPr>
-          <p:cNvPr name="Freeform 5" id="5"/>
+        <p:txBody>
+          <a:bodyPr/>
+          <a:lstStyle/>
+          <a:p>
+            <a:endParaRPr lang="es-CL"/>
+          </a:p>
+        </p:txBody>
+      </p:sp>
+      <p:sp>
+        <p:nvSpPr>
+          <p:cNvPr id="5" name="Freeform 5"/>
           <p:cNvSpPr/>
           <p:nvPr/>
         </p:nvSpPr>
         <p:spPr>
-          <a:xfrm flipH="false" flipV="false" rot="-8194833">
+          <a:xfrm rot="-8194833">
             <a:off x="14482979" y="8370874"/>
             <a:ext cx="5020066" cy="5020066"/>
           </a:xfrm>
@@ -3657,9 +3715,9 @@
             <a:gdLst/>
             <a:ahLst/>
             <a:cxnLst/>
-            <a:rect r="r" b="b" t="t" l="l"/>
+            <a:rect l="l" t="t" r="r" b="b"/>
             <a:pathLst>
-              <a:path h="5020066" w="5020066">
+              <a:path w="5020066" h="5020066">
                 <a:moveTo>
                   <a:pt x="0" y="0"/>
                 </a:moveTo>
@@ -3689,19 +3747,26 @@
               </a:extLst>
             </a:blip>
             <a:stretch>
-              <a:fillRect l="0" t="0" r="0" b="0"/>
+              <a:fillRect/>
             </a:stretch>
           </a:blipFill>
         </p:spPr>
-      </p:sp>
-      <p:sp>
-        <p:nvSpPr>
-          <p:cNvPr name="Freeform 6" id="6"/>
+        <p:txBody>
+          <a:bodyPr/>
+          <a:lstStyle/>
+          <a:p>
+            <a:endParaRPr lang="es-CL"/>
+          </a:p>
+        </p:txBody>
+      </p:sp>
+      <p:sp>
+        <p:nvSpPr>
+          <p:cNvPr id="6" name="Freeform 6"/>
           <p:cNvSpPr/>
           <p:nvPr/>
         </p:nvSpPr>
         <p:spPr>
-          <a:xfrm flipH="false" flipV="false" rot="0">
+          <a:xfrm>
             <a:off x="518360" y="622001"/>
             <a:ext cx="1173233" cy="1164700"/>
           </a:xfrm>
@@ -3710,9 +3775,9 @@
             <a:gdLst/>
             <a:ahLst/>
             <a:cxnLst/>
-            <a:rect r="r" b="b" t="t" l="l"/>
+            <a:rect l="l" t="t" r="r" b="b"/>
             <a:pathLst>
-              <a:path h="1164700" w="1173233">
+              <a:path w="1173233" h="1164700">
                 <a:moveTo>
                   <a:pt x="0" y="0"/>
                 </a:moveTo>
@@ -3741,19 +3806,26 @@
               </a:extLst>
             </a:blip>
             <a:stretch>
-              <a:fillRect l="0" t="0" r="0" b="0"/>
+              <a:fillRect/>
             </a:stretch>
           </a:blipFill>
         </p:spPr>
-      </p:sp>
-      <p:sp>
-        <p:nvSpPr>
-          <p:cNvPr name="Freeform 7" id="7"/>
+        <p:txBody>
+          <a:bodyPr/>
+          <a:lstStyle/>
+          <a:p>
+            <a:endParaRPr lang="es-CL"/>
+          </a:p>
+        </p:txBody>
+      </p:sp>
+      <p:sp>
+        <p:nvSpPr>
+          <p:cNvPr id="7" name="Freeform 7"/>
           <p:cNvSpPr/>
           <p:nvPr/>
         </p:nvSpPr>
         <p:spPr>
-          <a:xfrm flipH="false" flipV="false" rot="0">
+          <a:xfrm>
             <a:off x="1104977" y="2153980"/>
             <a:ext cx="15783605" cy="6786950"/>
           </a:xfrm>
@@ -3762,9 +3834,9 @@
             <a:gdLst/>
             <a:ahLst/>
             <a:cxnLst/>
-            <a:rect r="r" b="b" t="t" l="l"/>
+            <a:rect l="l" t="t" r="r" b="b"/>
             <a:pathLst>
-              <a:path h="6786950" w="15783605">
+              <a:path w="15783605" h="6786950">
                 <a:moveTo>
                   <a:pt x="0" y="0"/>
                 </a:moveTo>
@@ -3787,19 +3859,26 @@
           <a:blipFill>
             <a:blip r:embed="rId7"/>
             <a:stretch>
-              <a:fillRect l="0" t="0" r="0" b="0"/>
+              <a:fillRect/>
             </a:stretch>
           </a:blipFill>
         </p:spPr>
-      </p:sp>
-      <p:sp>
-        <p:nvSpPr>
-          <p:cNvPr name="TextBox 8" id="8"/>
-          <p:cNvSpPr txBox="true"/>
-          <p:nvPr/>
-        </p:nvSpPr>
-        <p:spPr>
-          <a:xfrm rot="0">
+        <p:txBody>
+          <a:bodyPr/>
+          <a:lstStyle/>
+          <a:p>
+            <a:endParaRPr lang="es-CL"/>
+          </a:p>
+        </p:txBody>
+      </p:sp>
+      <p:sp>
+        <p:nvSpPr>
+          <p:cNvPr id="8" name="TextBox 8"/>
+          <p:cNvSpPr txBox="1"/>
+          <p:nvPr/>
+        </p:nvSpPr>
+        <p:spPr>
+          <a:xfrm>
             <a:off x="2239051" y="942975"/>
             <a:ext cx="13809898" cy="853207"/>
           </a:xfrm>
@@ -3808,7 +3887,7 @@
           </a:prstGeom>
         </p:spPr>
         <p:txBody>
-          <a:bodyPr anchor="t" rtlCol="false" tIns="0" lIns="0" bIns="0" rIns="0">
+          <a:bodyPr lIns="0" tIns="0" rIns="0" bIns="0" rtlCol="0" anchor="t">
             <a:spAutoFit/>
           </a:bodyPr>
           <a:lstStyle/>
@@ -3819,7 +3898,7 @@
               </a:lnSpc>
             </a:pPr>
             <a:r>
-              <a:rPr lang="en-US" b="true" sz="5000">
+              <a:rPr lang="en-US" sz="5000" b="1">
                 <a:solidFill>
                   <a:srgbClr val="404040"/>
                 </a:solidFill>
@@ -3842,7 +3921,7 @@
 </file>
 
 <file path=ppt/slides/slide11.xml><?xml version="1.0" encoding="utf-8"?>
-<p:sld xmlns:p="http://schemas.openxmlformats.org/presentationml/2006/main" xmlns:a="http://schemas.openxmlformats.org/drawingml/2006/main" xmlns:r="http://schemas.openxmlformats.org/officeDocument/2006/relationships">
+<p:sld xmlns:a="http://schemas.openxmlformats.org/drawingml/2006/main" xmlns:r="http://schemas.openxmlformats.org/officeDocument/2006/relationships" xmlns:p="http://schemas.openxmlformats.org/presentationml/2006/main">
   <p:cSld>
     <p:spTree>
       <p:nvGrpSpPr>
@@ -3860,12 +3939,12 @@
       </p:grpSpPr>
       <p:sp>
         <p:nvSpPr>
-          <p:cNvPr name="Freeform 2" id="2"/>
+          <p:cNvPr id="2" name="Freeform 2"/>
           <p:cNvSpPr/>
           <p:nvPr/>
         </p:nvSpPr>
         <p:spPr>
-          <a:xfrm flipH="false" flipV="false" rot="1748409">
+          <a:xfrm rot="1748409">
             <a:off x="-1871927" y="7973496"/>
             <a:ext cx="6755091" cy="6130246"/>
           </a:xfrm>
@@ -3874,9 +3953,9 @@
             <a:gdLst/>
             <a:ahLst/>
             <a:cxnLst/>
-            <a:rect r="r" b="b" t="t" l="l"/>
+            <a:rect l="l" t="t" r="r" b="b"/>
             <a:pathLst>
-              <a:path h="6130246" w="6755091">
+              <a:path w="6755091" h="6130246">
                 <a:moveTo>
                   <a:pt x="0" y="0"/>
                 </a:moveTo>
@@ -3901,19 +3980,26 @@
               <a:alphaModFix amt="21999"/>
             </a:blip>
             <a:stretch>
-              <a:fillRect l="0" t="0" r="0" b="0"/>
+              <a:fillRect/>
             </a:stretch>
           </a:blipFill>
         </p:spPr>
-      </p:sp>
-      <p:sp>
-        <p:nvSpPr>
-          <p:cNvPr name="Freeform 3" id="3"/>
+        <p:txBody>
+          <a:bodyPr/>
+          <a:lstStyle/>
+          <a:p>
+            <a:endParaRPr lang="es-CL"/>
+          </a:p>
+        </p:txBody>
+      </p:sp>
+      <p:sp>
+        <p:nvSpPr>
+          <p:cNvPr id="3" name="Freeform 3"/>
           <p:cNvSpPr/>
           <p:nvPr/>
         </p:nvSpPr>
         <p:spPr>
-          <a:xfrm flipH="false" flipV="false" rot="2223819">
+          <a:xfrm rot="2223819">
             <a:off x="10214960" y="-5715833"/>
             <a:ext cx="12596877" cy="11431666"/>
           </a:xfrm>
@@ -3922,9 +4008,9 @@
             <a:gdLst/>
             <a:ahLst/>
             <a:cxnLst/>
-            <a:rect r="r" b="b" t="t" l="l"/>
+            <a:rect l="l" t="t" r="r" b="b"/>
             <a:pathLst>
-              <a:path h="11431666" w="12596877">
+              <a:path w="12596877" h="11431666">
                 <a:moveTo>
                   <a:pt x="0" y="0"/>
                 </a:moveTo>
@@ -3949,19 +4035,26 @@
               <a:alphaModFix amt="10999"/>
             </a:blip>
             <a:stretch>
-              <a:fillRect l="0" t="0" r="0" b="0"/>
+              <a:fillRect/>
             </a:stretch>
           </a:blipFill>
         </p:spPr>
-      </p:sp>
-      <p:sp>
-        <p:nvSpPr>
-          <p:cNvPr name="Freeform 4" id="4"/>
+        <p:txBody>
+          <a:bodyPr/>
+          <a:lstStyle/>
+          <a:p>
+            <a:endParaRPr lang="es-CL"/>
+          </a:p>
+        </p:txBody>
+      </p:sp>
+      <p:sp>
+        <p:nvSpPr>
+          <p:cNvPr id="4" name="Freeform 4"/>
           <p:cNvSpPr/>
           <p:nvPr/>
         </p:nvSpPr>
         <p:spPr>
-          <a:xfrm flipH="false" flipV="false" rot="0">
+          <a:xfrm>
             <a:off x="-830107" y="-1296384"/>
             <a:ext cx="4114800" cy="4114800"/>
           </a:xfrm>
@@ -3970,9 +4063,9 @@
             <a:gdLst/>
             <a:ahLst/>
             <a:cxnLst/>
-            <a:rect r="r" b="b" t="t" l="l"/>
+            <a:rect l="l" t="t" r="r" b="b"/>
             <a:pathLst>
-              <a:path h="4114800" w="4114800">
+              <a:path w="4114800" h="4114800">
                 <a:moveTo>
                   <a:pt x="0" y="0"/>
                 </a:moveTo>
@@ -4002,19 +4095,26 @@
               </a:extLst>
             </a:blip>
             <a:stretch>
-              <a:fillRect l="0" t="0" r="0" b="0"/>
+              <a:fillRect/>
             </a:stretch>
           </a:blipFill>
         </p:spPr>
-      </p:sp>
-      <p:sp>
-        <p:nvSpPr>
-          <p:cNvPr name="Freeform 5" id="5"/>
+        <p:txBody>
+          <a:bodyPr/>
+          <a:lstStyle/>
+          <a:p>
+            <a:endParaRPr lang="es-CL"/>
+          </a:p>
+        </p:txBody>
+      </p:sp>
+      <p:sp>
+        <p:nvSpPr>
+          <p:cNvPr id="5" name="Freeform 5"/>
           <p:cNvSpPr/>
           <p:nvPr/>
         </p:nvSpPr>
         <p:spPr>
-          <a:xfrm flipH="false" flipV="false" rot="-8194833">
+          <a:xfrm rot="-8194833">
             <a:off x="14482979" y="8370874"/>
             <a:ext cx="5020066" cy="5020066"/>
           </a:xfrm>
@@ -4023,9 +4123,9 @@
             <a:gdLst/>
             <a:ahLst/>
             <a:cxnLst/>
-            <a:rect r="r" b="b" t="t" l="l"/>
+            <a:rect l="l" t="t" r="r" b="b"/>
             <a:pathLst>
-              <a:path h="5020066" w="5020066">
+              <a:path w="5020066" h="5020066">
                 <a:moveTo>
                   <a:pt x="0" y="0"/>
                 </a:moveTo>
@@ -4055,19 +4155,26 @@
               </a:extLst>
             </a:blip>
             <a:stretch>
-              <a:fillRect l="0" t="0" r="0" b="0"/>
+              <a:fillRect/>
             </a:stretch>
           </a:blipFill>
         </p:spPr>
-      </p:sp>
-      <p:sp>
-        <p:nvSpPr>
-          <p:cNvPr name="Freeform 6" id="6"/>
+        <p:txBody>
+          <a:bodyPr/>
+          <a:lstStyle/>
+          <a:p>
+            <a:endParaRPr lang="es-CL"/>
+          </a:p>
+        </p:txBody>
+      </p:sp>
+      <p:sp>
+        <p:nvSpPr>
+          <p:cNvPr id="6" name="Freeform 6"/>
           <p:cNvSpPr/>
           <p:nvPr/>
         </p:nvSpPr>
         <p:spPr>
-          <a:xfrm flipH="false" flipV="false" rot="0">
+          <a:xfrm>
             <a:off x="518360" y="622001"/>
             <a:ext cx="1173233" cy="1164700"/>
           </a:xfrm>
@@ -4076,9 +4183,9 @@
             <a:gdLst/>
             <a:ahLst/>
             <a:cxnLst/>
-            <a:rect r="r" b="b" t="t" l="l"/>
+            <a:rect l="l" t="t" r="r" b="b"/>
             <a:pathLst>
-              <a:path h="1164700" w="1173233">
+              <a:path w="1173233" h="1164700">
                 <a:moveTo>
                   <a:pt x="0" y="0"/>
                 </a:moveTo>
@@ -4107,19 +4214,26 @@
               </a:extLst>
             </a:blip>
             <a:stretch>
-              <a:fillRect l="0" t="0" r="0" b="0"/>
+              <a:fillRect/>
             </a:stretch>
           </a:blipFill>
         </p:spPr>
-      </p:sp>
-      <p:sp>
-        <p:nvSpPr>
-          <p:cNvPr name="Freeform 7" id="7"/>
+        <p:txBody>
+          <a:bodyPr/>
+          <a:lstStyle/>
+          <a:p>
+            <a:endParaRPr lang="es-CL"/>
+          </a:p>
+        </p:txBody>
+      </p:sp>
+      <p:sp>
+        <p:nvSpPr>
+          <p:cNvPr id="7" name="Freeform 7"/>
           <p:cNvSpPr/>
           <p:nvPr/>
         </p:nvSpPr>
         <p:spPr>
-          <a:xfrm flipH="false" flipV="false" rot="0">
+          <a:xfrm>
             <a:off x="2152936" y="2199213"/>
             <a:ext cx="13809898" cy="7479577"/>
           </a:xfrm>
@@ -4128,9 +4242,9 @@
             <a:gdLst/>
             <a:ahLst/>
             <a:cxnLst/>
-            <a:rect r="r" b="b" t="t" l="l"/>
+            <a:rect l="l" t="t" r="r" b="b"/>
             <a:pathLst>
-              <a:path h="7479577" w="13809898">
+              <a:path w="13809898" h="7479577">
                 <a:moveTo>
                   <a:pt x="0" y="0"/>
                 </a:moveTo>
@@ -4153,19 +4267,26 @@
           <a:blipFill>
             <a:blip r:embed="rId7"/>
             <a:stretch>
-              <a:fillRect l="0" t="0" r="0" b="0"/>
+              <a:fillRect/>
             </a:stretch>
           </a:blipFill>
         </p:spPr>
-      </p:sp>
-      <p:sp>
-        <p:nvSpPr>
-          <p:cNvPr name="TextBox 8" id="8"/>
-          <p:cNvSpPr txBox="true"/>
-          <p:nvPr/>
-        </p:nvSpPr>
-        <p:spPr>
-          <a:xfrm rot="0">
+        <p:txBody>
+          <a:bodyPr/>
+          <a:lstStyle/>
+          <a:p>
+            <a:endParaRPr lang="es-CL"/>
+          </a:p>
+        </p:txBody>
+      </p:sp>
+      <p:sp>
+        <p:nvSpPr>
+          <p:cNvPr id="8" name="TextBox 8"/>
+          <p:cNvSpPr txBox="1"/>
+          <p:nvPr/>
+        </p:nvSpPr>
+        <p:spPr>
+          <a:xfrm>
             <a:off x="2239051" y="858052"/>
             <a:ext cx="13809898" cy="853207"/>
           </a:xfrm>
@@ -4174,7 +4295,7 @@
           </a:prstGeom>
         </p:spPr>
         <p:txBody>
-          <a:bodyPr anchor="t" rtlCol="false" tIns="0" lIns="0" bIns="0" rIns="0">
+          <a:bodyPr lIns="0" tIns="0" rIns="0" bIns="0" rtlCol="0" anchor="t">
             <a:spAutoFit/>
           </a:bodyPr>
           <a:lstStyle/>
@@ -4185,7 +4306,7 @@
               </a:lnSpc>
             </a:pPr>
             <a:r>
-              <a:rPr lang="en-US" b="true" sz="5000">
+              <a:rPr lang="en-US" sz="5000" b="1">
                 <a:solidFill>
                   <a:srgbClr val="404040"/>
                 </a:solidFill>
@@ -4208,7 +4329,7 @@
 </file>
 
 <file path=ppt/slides/slide12.xml><?xml version="1.0" encoding="utf-8"?>
-<p:sld xmlns:p="http://schemas.openxmlformats.org/presentationml/2006/main" xmlns:a="http://schemas.openxmlformats.org/drawingml/2006/main" xmlns:r="http://schemas.openxmlformats.org/officeDocument/2006/relationships">
+<p:sld xmlns:a="http://schemas.openxmlformats.org/drawingml/2006/main" xmlns:r="http://schemas.openxmlformats.org/officeDocument/2006/relationships" xmlns:p="http://schemas.openxmlformats.org/presentationml/2006/main">
   <p:cSld>
     <p:spTree>
       <p:nvGrpSpPr>
@@ -4226,12 +4347,12 @@
       </p:grpSpPr>
       <p:sp>
         <p:nvSpPr>
-          <p:cNvPr name="Freeform 2" id="2"/>
+          <p:cNvPr id="2" name="Freeform 2"/>
           <p:cNvSpPr/>
           <p:nvPr/>
         </p:nvSpPr>
         <p:spPr>
-          <a:xfrm flipH="false" flipV="false" rot="1748409">
+          <a:xfrm rot="1748409">
             <a:off x="-1871927" y="7973496"/>
             <a:ext cx="6755091" cy="6130246"/>
           </a:xfrm>
@@ -4240,9 +4361,9 @@
             <a:gdLst/>
             <a:ahLst/>
             <a:cxnLst/>
-            <a:rect r="r" b="b" t="t" l="l"/>
+            <a:rect l="l" t="t" r="r" b="b"/>
             <a:pathLst>
-              <a:path h="6130246" w="6755091">
+              <a:path w="6755091" h="6130246">
                 <a:moveTo>
                   <a:pt x="0" y="0"/>
                 </a:moveTo>
@@ -4267,19 +4388,26 @@
               <a:alphaModFix amt="21999"/>
             </a:blip>
             <a:stretch>
-              <a:fillRect l="0" t="0" r="0" b="0"/>
+              <a:fillRect/>
             </a:stretch>
           </a:blipFill>
         </p:spPr>
-      </p:sp>
-      <p:sp>
-        <p:nvSpPr>
-          <p:cNvPr name="Freeform 3" id="3"/>
+        <p:txBody>
+          <a:bodyPr/>
+          <a:lstStyle/>
+          <a:p>
+            <a:endParaRPr lang="es-CL"/>
+          </a:p>
+        </p:txBody>
+      </p:sp>
+      <p:sp>
+        <p:nvSpPr>
+          <p:cNvPr id="3" name="Freeform 3"/>
           <p:cNvSpPr/>
           <p:nvPr/>
         </p:nvSpPr>
         <p:spPr>
-          <a:xfrm flipH="false" flipV="false" rot="0">
+          <a:xfrm>
             <a:off x="-830107" y="-1296384"/>
             <a:ext cx="4114800" cy="4114800"/>
           </a:xfrm>
@@ -4288,9 +4416,9 @@
             <a:gdLst/>
             <a:ahLst/>
             <a:cxnLst/>
-            <a:rect r="r" b="b" t="t" l="l"/>
+            <a:rect l="l" t="t" r="r" b="b"/>
             <a:pathLst>
-              <a:path h="4114800" w="4114800">
+              <a:path w="4114800" h="4114800">
                 <a:moveTo>
                   <a:pt x="0" y="0"/>
                 </a:moveTo>
@@ -4320,19 +4448,26 @@
               </a:extLst>
             </a:blip>
             <a:stretch>
-              <a:fillRect l="0" t="0" r="0" b="0"/>
+              <a:fillRect/>
             </a:stretch>
           </a:blipFill>
         </p:spPr>
-      </p:sp>
-      <p:sp>
-        <p:nvSpPr>
-          <p:cNvPr name="Freeform 4" id="4"/>
+        <p:txBody>
+          <a:bodyPr/>
+          <a:lstStyle/>
+          <a:p>
+            <a:endParaRPr lang="es-CL"/>
+          </a:p>
+        </p:txBody>
+      </p:sp>
+      <p:sp>
+        <p:nvSpPr>
+          <p:cNvPr id="4" name="Freeform 4"/>
           <p:cNvSpPr/>
           <p:nvPr/>
         </p:nvSpPr>
         <p:spPr>
-          <a:xfrm flipH="false" flipV="false" rot="-8194833">
+          <a:xfrm rot="-8194833">
             <a:off x="14482979" y="8370874"/>
             <a:ext cx="5020066" cy="5020066"/>
           </a:xfrm>
@@ -4341,9 +4476,9 @@
             <a:gdLst/>
             <a:ahLst/>
             <a:cxnLst/>
-            <a:rect r="r" b="b" t="t" l="l"/>
+            <a:rect l="l" t="t" r="r" b="b"/>
             <a:pathLst>
-              <a:path h="5020066" w="5020066">
+              <a:path w="5020066" h="5020066">
                 <a:moveTo>
                   <a:pt x="0" y="0"/>
                 </a:moveTo>
@@ -4373,72 +4508,26 @@
               </a:extLst>
             </a:blip>
             <a:stretch>
-              <a:fillRect l="0" t="0" r="0" b="0"/>
+              <a:fillRect/>
             </a:stretch>
           </a:blipFill>
         </p:spPr>
-      </p:sp>
-      <p:sp>
-        <p:nvSpPr>
-          <p:cNvPr name="Freeform 5" id="5"/>
-          <p:cNvSpPr/>
-          <p:nvPr/>
-        </p:nvSpPr>
-        <p:spPr>
-          <a:xfrm flipH="false" flipV="false" rot="0">
-            <a:off x="2567039" y="1684066"/>
-            <a:ext cx="13153923" cy="7744372"/>
-          </a:xfrm>
-          <a:custGeom>
-            <a:avLst/>
-            <a:gdLst/>
-            <a:ahLst/>
-            <a:cxnLst/>
-            <a:rect r="r" b="b" t="t" l="l"/>
-            <a:pathLst>
-              <a:path h="7744372" w="13153923">
-                <a:moveTo>
-                  <a:pt x="0" y="0"/>
-                </a:moveTo>
-                <a:lnTo>
-                  <a:pt x="13153922" y="0"/>
-                </a:lnTo>
-                <a:lnTo>
-                  <a:pt x="13153922" y="7744372"/>
-                </a:lnTo>
-                <a:lnTo>
-                  <a:pt x="0" y="7744372"/>
-                </a:lnTo>
-                <a:lnTo>
-                  <a:pt x="0" y="0"/>
-                </a:lnTo>
-                <a:close/>
-              </a:path>
-            </a:pathLst>
-          </a:custGeom>
-          <a:blipFill>
-            <a:blip r:embed="rId5"/>
-            <a:stretch>
-              <a:fillRect l="0" t="0" r="0" b="0"/>
-            </a:stretch>
-          </a:blipFill>
-          <a:ln w="38100" cap="sq">
-            <a:solidFill>
-              <a:srgbClr val="000000"/>
-            </a:solidFill>
-            <a:prstDash val="solid"/>
-            <a:miter/>
-          </a:ln>
-        </p:spPr>
-      </p:sp>
-      <p:sp>
-        <p:nvSpPr>
-          <p:cNvPr name="TextBox 6" id="6"/>
-          <p:cNvSpPr txBox="true"/>
-          <p:nvPr/>
-        </p:nvSpPr>
-        <p:spPr>
-          <a:xfrm rot="0">
+        <p:txBody>
+          <a:bodyPr/>
+          <a:lstStyle/>
+          <a:p>
+            <a:endParaRPr lang="es-CL"/>
+          </a:p>
+        </p:txBody>
+      </p:sp>
+      <p:sp>
+        <p:nvSpPr>
+          <p:cNvPr id="6" name="TextBox 6"/>
+          <p:cNvSpPr txBox="1"/>
+          <p:nvPr/>
+        </p:nvSpPr>
+        <p:spPr>
+          <a:xfrm>
             <a:off x="2239051" y="675291"/>
             <a:ext cx="13809898" cy="853207"/>
           </a:xfrm>
@@ -4447,7 +4536,7 @@
           </a:prstGeom>
         </p:spPr>
         <p:txBody>
-          <a:bodyPr anchor="t" rtlCol="false" tIns="0" lIns="0" bIns="0" rIns="0">
+          <a:bodyPr lIns="0" tIns="0" rIns="0" bIns="0" rtlCol="0" anchor="t">
             <a:spAutoFit/>
           </a:bodyPr>
           <a:lstStyle/>
@@ -4458,7 +4547,7 @@
               </a:lnSpc>
             </a:pPr>
             <a:r>
-              <a:rPr lang="en-US" b="true" sz="5000">
+              <a:rPr lang="en-US" sz="5000" b="1">
                 <a:solidFill>
                   <a:srgbClr val="404040"/>
                 </a:solidFill>
@@ -4472,6 +4561,69 @@
           </a:p>
         </p:txBody>
       </p:sp>
+      <p:graphicFrame>
+        <p:nvGraphicFramePr>
+          <p:cNvPr id="9" name="Objeto 8">
+            <a:extLst>
+              <a:ext uri="{FF2B5EF4-FFF2-40B4-BE49-F238E27FC236}">
+                <a16:creationId xmlns:a16="http://schemas.microsoft.com/office/drawing/2014/main" id="{D96E04C0-D2E8-C8BA-5D7E-673433B280D2}"/>
+              </a:ext>
+            </a:extLst>
+          </p:cNvPr>
+          <p:cNvGraphicFramePr>
+            <a:graphicFrameLocks noChangeAspect="1"/>
+          </p:cNvGraphicFramePr>
+          <p:nvPr>
+            <p:extLst>
+              <p:ext uri="{D42A27DB-BD31-4B8C-83A1-F6EECF244321}">
+                <p14:modId xmlns:p14="http://schemas.microsoft.com/office/powerpoint/2010/main" val="297936193"/>
+              </p:ext>
+            </p:extLst>
+          </p:nvPr>
+        </p:nvGraphicFramePr>
+        <p:xfrm>
+          <a:off x="3298548" y="1566598"/>
+          <a:ext cx="11801475" cy="8191500"/>
+        </p:xfrm>
+        <a:graphic>
+          <a:graphicData uri="http://schemas.openxmlformats.org/presentationml/2006/ole">
+            <mc:AlternateContent xmlns:mc="http://schemas.openxmlformats.org/markup-compatibility/2006">
+              <mc:Choice xmlns:v="urn:schemas-microsoft-com:vml" Requires="v">
+                <p:oleObj name="Worksheet" r:id="rId5" imgW="11801408" imgH="8191333" progId="Excel.Sheet.12">
+                  <p:embed/>
+                </p:oleObj>
+              </mc:Choice>
+              <mc:Fallback>
+                <p:oleObj name="Worksheet" r:id="rId5" imgW="11801408" imgH="8191333" progId="Excel.Sheet.12">
+                  <p:embed/>
+                  <p:pic>
+                    <p:nvPicPr>
+                      <p:cNvPr id="0" name=""/>
+                      <p:cNvPicPr/>
+                      <p:nvPr/>
+                    </p:nvPicPr>
+                    <p:blipFill>
+                      <a:blip r:embed="rId6"/>
+                      <a:stretch>
+                        <a:fillRect/>
+                      </a:stretch>
+                    </p:blipFill>
+                    <p:spPr>
+                      <a:xfrm>
+                        <a:off x="3298548" y="1566598"/>
+                        <a:ext cx="11801475" cy="8191500"/>
+                      </a:xfrm>
+                      <a:prstGeom prst="rect">
+                        <a:avLst/>
+                      </a:prstGeom>
+                    </p:spPr>
+                  </p:pic>
+                </p:oleObj>
+              </mc:Fallback>
+            </mc:AlternateContent>
+          </a:graphicData>
+        </a:graphic>
+      </p:graphicFrame>
     </p:spTree>
   </p:cSld>
   <p:clrMapOvr>
@@ -4481,7 +4633,7 @@
 </file>
 
 <file path=ppt/slides/slide13.xml><?xml version="1.0" encoding="utf-8"?>
-<p:sld xmlns:p="http://schemas.openxmlformats.org/presentationml/2006/main" xmlns:a="http://schemas.openxmlformats.org/drawingml/2006/main" xmlns:r="http://schemas.openxmlformats.org/officeDocument/2006/relationships">
+<p:sld xmlns:a="http://schemas.openxmlformats.org/drawingml/2006/main" xmlns:r="http://schemas.openxmlformats.org/officeDocument/2006/relationships" xmlns:p="http://schemas.openxmlformats.org/presentationml/2006/main">
   <p:cSld>
     <p:spTree>
       <p:nvGrpSpPr>
@@ -4499,12 +4651,12 @@
       </p:grpSpPr>
       <p:sp>
         <p:nvSpPr>
-          <p:cNvPr name="Freeform 2" id="2"/>
+          <p:cNvPr id="2" name="Freeform 2"/>
           <p:cNvSpPr/>
           <p:nvPr/>
         </p:nvSpPr>
         <p:spPr>
-          <a:xfrm flipH="false" flipV="false" rot="1748409">
+          <a:xfrm rot="1748409">
             <a:off x="-1871927" y="7973496"/>
             <a:ext cx="6755091" cy="6130246"/>
           </a:xfrm>
@@ -4513,9 +4665,9 @@
             <a:gdLst/>
             <a:ahLst/>
             <a:cxnLst/>
-            <a:rect r="r" b="b" t="t" l="l"/>
+            <a:rect l="l" t="t" r="r" b="b"/>
             <a:pathLst>
-              <a:path h="6130246" w="6755091">
+              <a:path w="6755091" h="6130246">
                 <a:moveTo>
                   <a:pt x="0" y="0"/>
                 </a:moveTo>
@@ -4540,19 +4692,26 @@
               <a:alphaModFix amt="21999"/>
             </a:blip>
             <a:stretch>
-              <a:fillRect l="0" t="0" r="0" b="0"/>
+              <a:fillRect/>
             </a:stretch>
           </a:blipFill>
         </p:spPr>
-      </p:sp>
-      <p:sp>
-        <p:nvSpPr>
-          <p:cNvPr name="Freeform 3" id="3"/>
+        <p:txBody>
+          <a:bodyPr/>
+          <a:lstStyle/>
+          <a:p>
+            <a:endParaRPr lang="es-CL"/>
+          </a:p>
+        </p:txBody>
+      </p:sp>
+      <p:sp>
+        <p:nvSpPr>
+          <p:cNvPr id="3" name="Freeform 3"/>
           <p:cNvSpPr/>
           <p:nvPr/>
         </p:nvSpPr>
         <p:spPr>
-          <a:xfrm flipH="false" flipV="false" rot="0">
+          <a:xfrm>
             <a:off x="-830107" y="-1296384"/>
             <a:ext cx="4114800" cy="4114800"/>
           </a:xfrm>
@@ -4561,9 +4720,9 @@
             <a:gdLst/>
             <a:ahLst/>
             <a:cxnLst/>
-            <a:rect r="r" b="b" t="t" l="l"/>
+            <a:rect l="l" t="t" r="r" b="b"/>
             <a:pathLst>
-              <a:path h="4114800" w="4114800">
+              <a:path w="4114800" h="4114800">
                 <a:moveTo>
                   <a:pt x="0" y="0"/>
                 </a:moveTo>
@@ -4593,19 +4752,26 @@
               </a:extLst>
             </a:blip>
             <a:stretch>
-              <a:fillRect l="0" t="0" r="0" b="0"/>
+              <a:fillRect/>
             </a:stretch>
           </a:blipFill>
         </p:spPr>
-      </p:sp>
-      <p:sp>
-        <p:nvSpPr>
-          <p:cNvPr name="Freeform 4" id="4"/>
+        <p:txBody>
+          <a:bodyPr/>
+          <a:lstStyle/>
+          <a:p>
+            <a:endParaRPr lang="es-CL"/>
+          </a:p>
+        </p:txBody>
+      </p:sp>
+      <p:sp>
+        <p:nvSpPr>
+          <p:cNvPr id="4" name="Freeform 4"/>
           <p:cNvSpPr/>
           <p:nvPr/>
         </p:nvSpPr>
         <p:spPr>
-          <a:xfrm flipH="false" flipV="false" rot="-8194833">
+          <a:xfrm rot="-8194833">
             <a:off x="14482979" y="8370874"/>
             <a:ext cx="5020066" cy="5020066"/>
           </a:xfrm>
@@ -4614,9 +4780,9 @@
             <a:gdLst/>
             <a:ahLst/>
             <a:cxnLst/>
-            <a:rect r="r" b="b" t="t" l="l"/>
+            <a:rect l="l" t="t" r="r" b="b"/>
             <a:pathLst>
-              <a:path h="5020066" w="5020066">
+              <a:path w="5020066" h="5020066">
                 <a:moveTo>
                   <a:pt x="0" y="0"/>
                 </a:moveTo>
@@ -4646,72 +4812,26 @@
               </a:extLst>
             </a:blip>
             <a:stretch>
-              <a:fillRect l="0" t="0" r="0" b="0"/>
+              <a:fillRect/>
             </a:stretch>
           </a:blipFill>
         </p:spPr>
-      </p:sp>
-      <p:sp>
-        <p:nvSpPr>
-          <p:cNvPr name="Freeform 5" id="5"/>
-          <p:cNvSpPr/>
-          <p:nvPr/>
-        </p:nvSpPr>
-        <p:spPr>
-          <a:xfrm flipH="false" flipV="false" rot="0">
-            <a:off x="1028700" y="3683538"/>
-            <a:ext cx="15964312" cy="3033219"/>
-          </a:xfrm>
-          <a:custGeom>
-            <a:avLst/>
-            <a:gdLst/>
-            <a:ahLst/>
-            <a:cxnLst/>
-            <a:rect r="r" b="b" t="t" l="l"/>
-            <a:pathLst>
-              <a:path h="3033219" w="15964312">
-                <a:moveTo>
-                  <a:pt x="0" y="0"/>
-                </a:moveTo>
-                <a:lnTo>
-                  <a:pt x="15964312" y="0"/>
-                </a:lnTo>
-                <a:lnTo>
-                  <a:pt x="15964312" y="3033219"/>
-                </a:lnTo>
-                <a:lnTo>
-                  <a:pt x="0" y="3033219"/>
-                </a:lnTo>
-                <a:lnTo>
-                  <a:pt x="0" y="0"/>
-                </a:lnTo>
-                <a:close/>
-              </a:path>
-            </a:pathLst>
-          </a:custGeom>
-          <a:blipFill>
-            <a:blip r:embed="rId5"/>
-            <a:stretch>
-              <a:fillRect l="0" t="0" r="0" b="0"/>
-            </a:stretch>
-          </a:blipFill>
-          <a:ln w="38100" cap="sq">
-            <a:solidFill>
-              <a:srgbClr val="000000"/>
-            </a:solidFill>
-            <a:prstDash val="solid"/>
-            <a:miter/>
-          </a:ln>
-        </p:spPr>
-      </p:sp>
-      <p:sp>
-        <p:nvSpPr>
-          <p:cNvPr name="TextBox 6" id="6"/>
-          <p:cNvSpPr txBox="true"/>
-          <p:nvPr/>
-        </p:nvSpPr>
-        <p:spPr>
-          <a:xfrm rot="0">
+        <p:txBody>
+          <a:bodyPr/>
+          <a:lstStyle/>
+          <a:p>
+            <a:endParaRPr lang="es-CL"/>
+          </a:p>
+        </p:txBody>
+      </p:sp>
+      <p:sp>
+        <p:nvSpPr>
+          <p:cNvPr id="6" name="TextBox 6"/>
+          <p:cNvSpPr txBox="1"/>
+          <p:nvPr/>
+        </p:nvSpPr>
+        <p:spPr>
+          <a:xfrm>
             <a:off x="2004502" y="2211206"/>
             <a:ext cx="13809898" cy="853207"/>
           </a:xfrm>
@@ -4720,7 +4840,7 @@
           </a:prstGeom>
         </p:spPr>
         <p:txBody>
-          <a:bodyPr anchor="t" rtlCol="false" tIns="0" lIns="0" bIns="0" rIns="0">
+          <a:bodyPr lIns="0" tIns="0" rIns="0" bIns="0" rtlCol="0" anchor="t">
             <a:spAutoFit/>
           </a:bodyPr>
           <a:lstStyle/>
@@ -4731,7 +4851,7 @@
               </a:lnSpc>
             </a:pPr>
             <a:r>
-              <a:rPr lang="en-US" b="true" sz="5000">
+              <a:rPr lang="en-US" sz="5000" b="1">
                 <a:solidFill>
                   <a:srgbClr val="404040"/>
                 </a:solidFill>
@@ -4745,6 +4865,69 @@
           </a:p>
         </p:txBody>
       </p:sp>
+      <p:graphicFrame>
+        <p:nvGraphicFramePr>
+          <p:cNvPr id="8" name="Objeto 7">
+            <a:extLst>
+              <a:ext uri="{FF2B5EF4-FFF2-40B4-BE49-F238E27FC236}">
+                <a16:creationId xmlns:a16="http://schemas.microsoft.com/office/drawing/2014/main" id="{C21111F5-DA3E-D9D6-C705-AB81E027EC49}"/>
+              </a:ext>
+            </a:extLst>
+          </p:cNvPr>
+          <p:cNvGraphicFramePr>
+            <a:graphicFrameLocks noChangeAspect="1"/>
+          </p:cNvGraphicFramePr>
+          <p:nvPr>
+            <p:extLst>
+              <p:ext uri="{D42A27DB-BD31-4B8C-83A1-F6EECF244321}">
+                <p14:modId xmlns:p14="http://schemas.microsoft.com/office/powerpoint/2010/main" val="1132659966"/>
+              </p:ext>
+            </p:extLst>
+          </p:nvPr>
+        </p:nvGraphicFramePr>
+        <p:xfrm>
+          <a:off x="1143000" y="3826886"/>
+          <a:ext cx="16360692" cy="3631308"/>
+        </p:xfrm>
+        <a:graphic>
+          <a:graphicData uri="http://schemas.openxmlformats.org/presentationml/2006/ole">
+            <mc:AlternateContent xmlns:mc="http://schemas.openxmlformats.org/markup-compatibility/2006">
+              <mc:Choice xmlns:v="urn:schemas-microsoft-com:vml" Requires="v">
+                <p:oleObj name="Worksheet" r:id="rId5" imgW="11801408" imgH="2619518" progId="Excel.Sheet.12">
+                  <p:embed/>
+                </p:oleObj>
+              </mc:Choice>
+              <mc:Fallback>
+                <p:oleObj name="Worksheet" r:id="rId5" imgW="11801408" imgH="2619518" progId="Excel.Sheet.12">
+                  <p:embed/>
+                  <p:pic>
+                    <p:nvPicPr>
+                      <p:cNvPr id="0" name=""/>
+                      <p:cNvPicPr/>
+                      <p:nvPr/>
+                    </p:nvPicPr>
+                    <p:blipFill>
+                      <a:blip r:embed="rId6"/>
+                      <a:stretch>
+                        <a:fillRect/>
+                      </a:stretch>
+                    </p:blipFill>
+                    <p:spPr>
+                      <a:xfrm>
+                        <a:off x="1143000" y="3826886"/>
+                        <a:ext cx="16360692" cy="3631308"/>
+                      </a:xfrm>
+                      <a:prstGeom prst="rect">
+                        <a:avLst/>
+                      </a:prstGeom>
+                    </p:spPr>
+                  </p:pic>
+                </p:oleObj>
+              </mc:Fallback>
+            </mc:AlternateContent>
+          </a:graphicData>
+        </a:graphic>
+      </p:graphicFrame>
     </p:spTree>
   </p:cSld>
   <p:clrMapOvr>
@@ -4754,7 +4937,7 @@
 </file>
 
 <file path=ppt/slides/slide14.xml><?xml version="1.0" encoding="utf-8"?>
-<p:sld xmlns:p="http://schemas.openxmlformats.org/presentationml/2006/main" xmlns:a="http://schemas.openxmlformats.org/drawingml/2006/main" xmlns:r="http://schemas.openxmlformats.org/officeDocument/2006/relationships">
+<p:sld xmlns:a="http://schemas.openxmlformats.org/drawingml/2006/main" xmlns:r="http://schemas.openxmlformats.org/officeDocument/2006/relationships" xmlns:p="http://schemas.openxmlformats.org/presentationml/2006/main">
   <p:cSld>
     <p:spTree>
       <p:nvGrpSpPr>
@@ -4772,12 +4955,12 @@
       </p:grpSpPr>
       <p:sp>
         <p:nvSpPr>
-          <p:cNvPr name="Freeform 2" id="2"/>
+          <p:cNvPr id="2" name="Freeform 2"/>
           <p:cNvSpPr/>
           <p:nvPr/>
         </p:nvSpPr>
         <p:spPr>
-          <a:xfrm flipH="false" flipV="false" rot="1748409">
+          <a:xfrm rot="1748409">
             <a:off x="-1871927" y="7973496"/>
             <a:ext cx="6755091" cy="6130246"/>
           </a:xfrm>
@@ -4786,9 +4969,9 @@
             <a:gdLst/>
             <a:ahLst/>
             <a:cxnLst/>
-            <a:rect r="r" b="b" t="t" l="l"/>
+            <a:rect l="l" t="t" r="r" b="b"/>
             <a:pathLst>
-              <a:path h="6130246" w="6755091">
+              <a:path w="6755091" h="6130246">
                 <a:moveTo>
                   <a:pt x="0" y="0"/>
                 </a:moveTo>
@@ -4813,19 +4996,26 @@
               <a:alphaModFix amt="21999"/>
             </a:blip>
             <a:stretch>
-              <a:fillRect l="0" t="0" r="0" b="0"/>
+              <a:fillRect/>
             </a:stretch>
           </a:blipFill>
         </p:spPr>
-      </p:sp>
-      <p:sp>
-        <p:nvSpPr>
-          <p:cNvPr name="Freeform 3" id="3"/>
+        <p:txBody>
+          <a:bodyPr/>
+          <a:lstStyle/>
+          <a:p>
+            <a:endParaRPr lang="es-CL"/>
+          </a:p>
+        </p:txBody>
+      </p:sp>
+      <p:sp>
+        <p:nvSpPr>
+          <p:cNvPr id="3" name="Freeform 3"/>
           <p:cNvSpPr/>
           <p:nvPr/>
         </p:nvSpPr>
         <p:spPr>
-          <a:xfrm flipH="false" flipV="false" rot="0">
+          <a:xfrm>
             <a:off x="-830107" y="-1296384"/>
             <a:ext cx="4114800" cy="4114800"/>
           </a:xfrm>
@@ -4834,9 +5024,9 @@
             <a:gdLst/>
             <a:ahLst/>
             <a:cxnLst/>
-            <a:rect r="r" b="b" t="t" l="l"/>
+            <a:rect l="l" t="t" r="r" b="b"/>
             <a:pathLst>
-              <a:path h="4114800" w="4114800">
+              <a:path w="4114800" h="4114800">
                 <a:moveTo>
                   <a:pt x="0" y="0"/>
                 </a:moveTo>
@@ -4866,19 +5056,26 @@
               </a:extLst>
             </a:blip>
             <a:stretch>
-              <a:fillRect l="0" t="0" r="0" b="0"/>
+              <a:fillRect/>
             </a:stretch>
           </a:blipFill>
         </p:spPr>
-      </p:sp>
-      <p:sp>
-        <p:nvSpPr>
-          <p:cNvPr name="Freeform 4" id="4"/>
+        <p:txBody>
+          <a:bodyPr/>
+          <a:lstStyle/>
+          <a:p>
+            <a:endParaRPr lang="es-CL"/>
+          </a:p>
+        </p:txBody>
+      </p:sp>
+      <p:sp>
+        <p:nvSpPr>
+          <p:cNvPr id="4" name="Freeform 4"/>
           <p:cNvSpPr/>
           <p:nvPr/>
         </p:nvSpPr>
         <p:spPr>
-          <a:xfrm flipH="false" flipV="false" rot="-8194833">
+          <a:xfrm rot="-8194833">
             <a:off x="14482979" y="8370874"/>
             <a:ext cx="5020066" cy="5020066"/>
           </a:xfrm>
@@ -4887,9 +5084,9 @@
             <a:gdLst/>
             <a:ahLst/>
             <a:cxnLst/>
-            <a:rect r="r" b="b" t="t" l="l"/>
+            <a:rect l="l" t="t" r="r" b="b"/>
             <a:pathLst>
-              <a:path h="5020066" w="5020066">
+              <a:path w="5020066" h="5020066">
                 <a:moveTo>
                   <a:pt x="0" y="0"/>
                 </a:moveTo>
@@ -4919,19 +5116,26 @@
               </a:extLst>
             </a:blip>
             <a:stretch>
-              <a:fillRect l="0" t="0" r="0" b="0"/>
+              <a:fillRect/>
             </a:stretch>
           </a:blipFill>
         </p:spPr>
-      </p:sp>
-      <p:sp>
-        <p:nvSpPr>
-          <p:cNvPr name="Freeform 5" id="5"/>
+        <p:txBody>
+          <a:bodyPr/>
+          <a:lstStyle/>
+          <a:p>
+            <a:endParaRPr lang="es-CL"/>
+          </a:p>
+        </p:txBody>
+      </p:sp>
+      <p:sp>
+        <p:nvSpPr>
+          <p:cNvPr id="5" name="Freeform 5"/>
           <p:cNvSpPr/>
           <p:nvPr/>
         </p:nvSpPr>
         <p:spPr>
-          <a:xfrm flipH="false" flipV="false" rot="0">
+          <a:xfrm>
             <a:off x="518360" y="622001"/>
             <a:ext cx="1173233" cy="1164700"/>
           </a:xfrm>
@@ -4940,9 +5144,9 @@
             <a:gdLst/>
             <a:ahLst/>
             <a:cxnLst/>
-            <a:rect r="r" b="b" t="t" l="l"/>
+            <a:rect l="l" t="t" r="r" b="b"/>
             <a:pathLst>
-              <a:path h="1164700" w="1173233">
+              <a:path w="1173233" h="1164700">
                 <a:moveTo>
                   <a:pt x="0" y="0"/>
                 </a:moveTo>
@@ -4971,19 +5175,26 @@
               </a:extLst>
             </a:blip>
             <a:stretch>
-              <a:fillRect l="0" t="0" r="0" b="0"/>
+              <a:fillRect/>
             </a:stretch>
           </a:blipFill>
         </p:spPr>
-      </p:sp>
-      <p:sp>
-        <p:nvSpPr>
-          <p:cNvPr name="TextBox 6" id="6"/>
-          <p:cNvSpPr txBox="true"/>
-          <p:nvPr/>
-        </p:nvSpPr>
-        <p:spPr>
-          <a:xfrm rot="0">
+        <p:txBody>
+          <a:bodyPr/>
+          <a:lstStyle/>
+          <a:p>
+            <a:endParaRPr lang="es-CL"/>
+          </a:p>
+        </p:txBody>
+      </p:sp>
+      <p:sp>
+        <p:nvSpPr>
+          <p:cNvPr id="6" name="TextBox 6"/>
+          <p:cNvSpPr txBox="1"/>
+          <p:nvPr/>
+        </p:nvSpPr>
+        <p:spPr>
+          <a:xfrm>
             <a:off x="2122721" y="3848941"/>
             <a:ext cx="14013601" cy="3799192"/>
           </a:xfrm>
@@ -4992,7 +5203,7 @@
           </a:prstGeom>
         </p:spPr>
         <p:txBody>
-          <a:bodyPr anchor="t" rtlCol="false" tIns="0" lIns="0" bIns="0" rIns="0">
+          <a:bodyPr lIns="0" tIns="0" rIns="0" bIns="0" rtlCol="0" anchor="t">
             <a:spAutoFit/>
           </a:bodyPr>
           <a:lstStyle/>
@@ -5026,7 +5237,7 @@
 </file>
 
 <file path=ppt/slides/slide2.xml><?xml version="1.0" encoding="utf-8"?>
-<p:sld xmlns:p="http://schemas.openxmlformats.org/presentationml/2006/main" xmlns:a="http://schemas.openxmlformats.org/drawingml/2006/main" xmlns:r="http://schemas.openxmlformats.org/officeDocument/2006/relationships">
+<p:sld xmlns:a="http://schemas.openxmlformats.org/drawingml/2006/main" xmlns:r="http://schemas.openxmlformats.org/officeDocument/2006/relationships" xmlns:p="http://schemas.openxmlformats.org/presentationml/2006/main">
   <p:cSld>
     <p:spTree>
       <p:nvGrpSpPr>
@@ -5044,12 +5255,12 @@
       </p:grpSpPr>
       <p:sp>
         <p:nvSpPr>
-          <p:cNvPr name="Freeform 2" id="2"/>
+          <p:cNvPr id="2" name="Freeform 2"/>
           <p:cNvSpPr/>
           <p:nvPr/>
         </p:nvSpPr>
         <p:spPr>
-          <a:xfrm flipH="false" flipV="false" rot="1748409">
+          <a:xfrm rot="1748409">
             <a:off x="-1871927" y="7973496"/>
             <a:ext cx="6755091" cy="6130246"/>
           </a:xfrm>
@@ -5058,9 +5269,9 @@
             <a:gdLst/>
             <a:ahLst/>
             <a:cxnLst/>
-            <a:rect r="r" b="b" t="t" l="l"/>
+            <a:rect l="l" t="t" r="r" b="b"/>
             <a:pathLst>
-              <a:path h="6130246" w="6755091">
+              <a:path w="6755091" h="6130246">
                 <a:moveTo>
                   <a:pt x="0" y="0"/>
                 </a:moveTo>
@@ -5085,19 +5296,26 @@
               <a:alphaModFix amt="21999"/>
             </a:blip>
             <a:stretch>
-              <a:fillRect l="0" t="0" r="0" b="0"/>
+              <a:fillRect/>
             </a:stretch>
           </a:blipFill>
         </p:spPr>
-      </p:sp>
-      <p:sp>
-        <p:nvSpPr>
-          <p:cNvPr name="Freeform 3" id="3"/>
+        <p:txBody>
+          <a:bodyPr/>
+          <a:lstStyle/>
+          <a:p>
+            <a:endParaRPr lang="es-CL"/>
+          </a:p>
+        </p:txBody>
+      </p:sp>
+      <p:sp>
+        <p:nvSpPr>
+          <p:cNvPr id="3" name="Freeform 3"/>
           <p:cNvSpPr/>
           <p:nvPr/>
         </p:nvSpPr>
         <p:spPr>
-          <a:xfrm flipH="false" flipV="false" rot="2223819">
+          <a:xfrm rot="2223819">
             <a:off x="10214960" y="-5715833"/>
             <a:ext cx="12596877" cy="11431666"/>
           </a:xfrm>
@@ -5106,9 +5324,9 @@
             <a:gdLst/>
             <a:ahLst/>
             <a:cxnLst/>
-            <a:rect r="r" b="b" t="t" l="l"/>
+            <a:rect l="l" t="t" r="r" b="b"/>
             <a:pathLst>
-              <a:path h="11431666" w="12596877">
+              <a:path w="12596877" h="11431666">
                 <a:moveTo>
                   <a:pt x="0" y="0"/>
                 </a:moveTo>
@@ -5133,19 +5351,26 @@
               <a:alphaModFix amt="10999"/>
             </a:blip>
             <a:stretch>
-              <a:fillRect l="0" t="0" r="0" b="0"/>
+              <a:fillRect/>
             </a:stretch>
           </a:blipFill>
         </p:spPr>
-      </p:sp>
-      <p:sp>
-        <p:nvSpPr>
-          <p:cNvPr name="TextBox 4" id="4"/>
-          <p:cNvSpPr txBox="true"/>
-          <p:nvPr/>
-        </p:nvSpPr>
-        <p:spPr>
-          <a:xfrm rot="0">
+        <p:txBody>
+          <a:bodyPr/>
+          <a:lstStyle/>
+          <a:p>
+            <a:endParaRPr lang="es-CL"/>
+          </a:p>
+        </p:txBody>
+      </p:sp>
+      <p:sp>
+        <p:nvSpPr>
+          <p:cNvPr id="4" name="TextBox 4"/>
+          <p:cNvSpPr txBox="1"/>
+          <p:nvPr/>
+        </p:nvSpPr>
+        <p:spPr>
+          <a:xfrm>
             <a:off x="2962715" y="3852540"/>
             <a:ext cx="12177830" cy="2994025"/>
           </a:xfrm>
@@ -5154,7 +5379,7 @@
           </a:prstGeom>
         </p:spPr>
         <p:txBody>
-          <a:bodyPr anchor="t" rtlCol="false" tIns="0" lIns="0" bIns="0" rIns="0">
+          <a:bodyPr lIns="0" tIns="0" rIns="0" bIns="0" rtlCol="0" anchor="t">
             <a:spAutoFit/>
           </a:bodyPr>
           <a:lstStyle/>
@@ -5165,7 +5390,7 @@
               </a:lnSpc>
             </a:pPr>
             <a:r>
-              <a:rPr lang="en-US" b="true" sz="2499">
+              <a:rPr lang="en-US" sz="2499" b="1">
                 <a:solidFill>
                   <a:srgbClr val="545454"/>
                 </a:solidFill>
@@ -5184,7 +5409,7 @@
               </a:lnSpc>
             </a:pPr>
             <a:r>
-              <a:rPr lang="en-US" b="true" sz="2499">
+              <a:rPr lang="en-US" sz="2499" b="1">
                 <a:solidFill>
                   <a:srgbClr val="545454"/>
                 </a:solidFill>
@@ -5203,7 +5428,7 @@
               </a:lnSpc>
             </a:pPr>
             <a:r>
-              <a:rPr lang="en-US" b="true" sz="2499">
+              <a:rPr lang="en-US" sz="2499" b="1">
                 <a:solidFill>
                   <a:srgbClr val="545454"/>
                 </a:solidFill>
@@ -5219,12 +5444,12 @@
       </p:sp>
       <p:sp>
         <p:nvSpPr>
-          <p:cNvPr name="Freeform 5" id="5"/>
+          <p:cNvPr id="5" name="Freeform 5"/>
           <p:cNvSpPr/>
           <p:nvPr/>
         </p:nvSpPr>
         <p:spPr>
-          <a:xfrm flipH="false" flipV="false" rot="0">
+          <a:xfrm>
             <a:off x="-830107" y="-1296384"/>
             <a:ext cx="4114800" cy="4114800"/>
           </a:xfrm>
@@ -5233,9 +5458,9 @@
             <a:gdLst/>
             <a:ahLst/>
             <a:cxnLst/>
-            <a:rect r="r" b="b" t="t" l="l"/>
+            <a:rect l="l" t="t" r="r" b="b"/>
             <a:pathLst>
-              <a:path h="4114800" w="4114800">
+              <a:path w="4114800" h="4114800">
                 <a:moveTo>
                   <a:pt x="0" y="0"/>
                 </a:moveTo>
@@ -5265,19 +5490,26 @@
               </a:extLst>
             </a:blip>
             <a:stretch>
-              <a:fillRect l="0" t="0" r="0" b="0"/>
+              <a:fillRect/>
             </a:stretch>
           </a:blipFill>
         </p:spPr>
-      </p:sp>
-      <p:sp>
-        <p:nvSpPr>
-          <p:cNvPr name="Freeform 6" id="6"/>
+        <p:txBody>
+          <a:bodyPr/>
+          <a:lstStyle/>
+          <a:p>
+            <a:endParaRPr lang="es-CL"/>
+          </a:p>
+        </p:txBody>
+      </p:sp>
+      <p:sp>
+        <p:nvSpPr>
+          <p:cNvPr id="6" name="Freeform 6"/>
           <p:cNvSpPr/>
           <p:nvPr/>
         </p:nvSpPr>
         <p:spPr>
-          <a:xfrm flipH="false" flipV="false" rot="-8194833">
+          <a:xfrm rot="-8194833">
             <a:off x="14482979" y="8370874"/>
             <a:ext cx="5020066" cy="5020066"/>
           </a:xfrm>
@@ -5286,9 +5518,9 @@
             <a:gdLst/>
             <a:ahLst/>
             <a:cxnLst/>
-            <a:rect r="r" b="b" t="t" l="l"/>
+            <a:rect l="l" t="t" r="r" b="b"/>
             <a:pathLst>
-              <a:path h="5020066" w="5020066">
+              <a:path w="5020066" h="5020066">
                 <a:moveTo>
                   <a:pt x="0" y="0"/>
                 </a:moveTo>
@@ -5318,19 +5550,26 @@
               </a:extLst>
             </a:blip>
             <a:stretch>
-              <a:fillRect l="0" t="0" r="0" b="0"/>
+              <a:fillRect/>
             </a:stretch>
           </a:blipFill>
         </p:spPr>
-      </p:sp>
-      <p:sp>
-        <p:nvSpPr>
-          <p:cNvPr name="TextBox 7" id="7"/>
-          <p:cNvSpPr txBox="true"/>
-          <p:nvPr/>
-        </p:nvSpPr>
-        <p:spPr>
-          <a:xfrm rot="0">
+        <p:txBody>
+          <a:bodyPr/>
+          <a:lstStyle/>
+          <a:p>
+            <a:endParaRPr lang="es-CL"/>
+          </a:p>
+        </p:txBody>
+      </p:sp>
+      <p:sp>
+        <p:nvSpPr>
+          <p:cNvPr id="7" name="TextBox 7"/>
+          <p:cNvSpPr txBox="1"/>
+          <p:nvPr/>
+        </p:nvSpPr>
+        <p:spPr>
+          <a:xfrm>
             <a:off x="2429287" y="1965209"/>
             <a:ext cx="13809898" cy="853207"/>
           </a:xfrm>
@@ -5339,7 +5578,7 @@
           </a:prstGeom>
         </p:spPr>
         <p:txBody>
-          <a:bodyPr anchor="t" rtlCol="false" tIns="0" lIns="0" bIns="0" rIns="0">
+          <a:bodyPr lIns="0" tIns="0" rIns="0" bIns="0" rtlCol="0" anchor="t">
             <a:spAutoFit/>
           </a:bodyPr>
           <a:lstStyle/>
@@ -5350,7 +5589,7 @@
               </a:lnSpc>
             </a:pPr>
             <a:r>
-              <a:rPr lang="en-US" b="true" sz="5000">
+              <a:rPr lang="en-US" sz="5000" b="1">
                 <a:solidFill>
                   <a:srgbClr val="545454"/>
                 </a:solidFill>
@@ -5366,12 +5605,12 @@
       </p:sp>
       <p:sp>
         <p:nvSpPr>
-          <p:cNvPr name="Freeform 8" id="8"/>
+          <p:cNvPr id="8" name="Freeform 8"/>
           <p:cNvSpPr/>
           <p:nvPr/>
         </p:nvSpPr>
         <p:spPr>
-          <a:xfrm flipH="false" flipV="false" rot="0">
+          <a:xfrm>
             <a:off x="518360" y="622001"/>
             <a:ext cx="1173233" cy="1164700"/>
           </a:xfrm>
@@ -5380,9 +5619,9 @@
             <a:gdLst/>
             <a:ahLst/>
             <a:cxnLst/>
-            <a:rect r="r" b="b" t="t" l="l"/>
+            <a:rect l="l" t="t" r="r" b="b"/>
             <a:pathLst>
-              <a:path h="1164700" w="1173233">
+              <a:path w="1173233" h="1164700">
                 <a:moveTo>
                   <a:pt x="0" y="0"/>
                 </a:moveTo>
@@ -5411,10 +5650,17 @@
               </a:extLst>
             </a:blip>
             <a:stretch>
-              <a:fillRect l="0" t="0" r="0" b="0"/>
+              <a:fillRect/>
             </a:stretch>
           </a:blipFill>
         </p:spPr>
+        <p:txBody>
+          <a:bodyPr/>
+          <a:lstStyle/>
+          <a:p>
+            <a:endParaRPr lang="es-CL"/>
+          </a:p>
+        </p:txBody>
       </p:sp>
     </p:spTree>
   </p:cSld>
@@ -5425,7 +5671,7 @@
 </file>
 
 <file path=ppt/slides/slide3.xml><?xml version="1.0" encoding="utf-8"?>
-<p:sld xmlns:p="http://schemas.openxmlformats.org/presentationml/2006/main" xmlns:a="http://schemas.openxmlformats.org/drawingml/2006/main" xmlns:r="http://schemas.openxmlformats.org/officeDocument/2006/relationships">
+<p:sld xmlns:a="http://schemas.openxmlformats.org/drawingml/2006/main" xmlns:r="http://schemas.openxmlformats.org/officeDocument/2006/relationships" xmlns:p="http://schemas.openxmlformats.org/presentationml/2006/main">
   <p:cSld>
     <p:spTree>
       <p:nvGrpSpPr>
@@ -5443,12 +5689,12 @@
       </p:grpSpPr>
       <p:sp>
         <p:nvSpPr>
-          <p:cNvPr name="Freeform 2" id="2"/>
+          <p:cNvPr id="2" name="Freeform 2"/>
           <p:cNvSpPr/>
           <p:nvPr/>
         </p:nvSpPr>
         <p:spPr>
-          <a:xfrm flipH="false" flipV="false" rot="1748409">
+          <a:xfrm rot="1748409">
             <a:off x="-1871927" y="7973496"/>
             <a:ext cx="6755091" cy="6130246"/>
           </a:xfrm>
@@ -5457,9 +5703,9 @@
             <a:gdLst/>
             <a:ahLst/>
             <a:cxnLst/>
-            <a:rect r="r" b="b" t="t" l="l"/>
+            <a:rect l="l" t="t" r="r" b="b"/>
             <a:pathLst>
-              <a:path h="6130246" w="6755091">
+              <a:path w="6755091" h="6130246">
                 <a:moveTo>
                   <a:pt x="0" y="0"/>
                 </a:moveTo>
@@ -5484,19 +5730,26 @@
               <a:alphaModFix amt="21999"/>
             </a:blip>
             <a:stretch>
-              <a:fillRect l="0" t="0" r="0" b="0"/>
+              <a:fillRect/>
             </a:stretch>
           </a:blipFill>
         </p:spPr>
-      </p:sp>
-      <p:sp>
-        <p:nvSpPr>
-          <p:cNvPr name="Freeform 3" id="3"/>
+        <p:txBody>
+          <a:bodyPr/>
+          <a:lstStyle/>
+          <a:p>
+            <a:endParaRPr lang="es-CL"/>
+          </a:p>
+        </p:txBody>
+      </p:sp>
+      <p:sp>
+        <p:nvSpPr>
+          <p:cNvPr id="3" name="Freeform 3"/>
           <p:cNvSpPr/>
           <p:nvPr/>
         </p:nvSpPr>
         <p:spPr>
-          <a:xfrm flipH="false" flipV="false" rot="2223819">
+          <a:xfrm rot="2223819">
             <a:off x="10214960" y="-5715833"/>
             <a:ext cx="12596877" cy="11431666"/>
           </a:xfrm>
@@ -5505,9 +5758,9 @@
             <a:gdLst/>
             <a:ahLst/>
             <a:cxnLst/>
-            <a:rect r="r" b="b" t="t" l="l"/>
+            <a:rect l="l" t="t" r="r" b="b"/>
             <a:pathLst>
-              <a:path h="11431666" w="12596877">
+              <a:path w="12596877" h="11431666">
                 <a:moveTo>
                   <a:pt x="0" y="0"/>
                 </a:moveTo>
@@ -5532,19 +5785,26 @@
               <a:alphaModFix amt="10999"/>
             </a:blip>
             <a:stretch>
-              <a:fillRect l="0" t="0" r="0" b="0"/>
+              <a:fillRect/>
             </a:stretch>
           </a:blipFill>
         </p:spPr>
-      </p:sp>
-      <p:sp>
-        <p:nvSpPr>
-          <p:cNvPr name="TextBox 4" id="4"/>
-          <p:cNvSpPr txBox="true"/>
-          <p:nvPr/>
-        </p:nvSpPr>
-        <p:spPr>
-          <a:xfrm rot="0">
+        <p:txBody>
+          <a:bodyPr/>
+          <a:lstStyle/>
+          <a:p>
+            <a:endParaRPr lang="es-CL"/>
+          </a:p>
+        </p:txBody>
+      </p:sp>
+      <p:sp>
+        <p:nvSpPr>
+          <p:cNvPr id="4" name="TextBox 4"/>
+          <p:cNvSpPr txBox="1"/>
+          <p:nvPr/>
+        </p:nvSpPr>
+        <p:spPr>
+          <a:xfrm>
             <a:off x="2907713" y="3852540"/>
             <a:ext cx="12177830" cy="2565400"/>
           </a:xfrm>
@@ -5553,7 +5813,7 @@
           </a:prstGeom>
         </p:spPr>
         <p:txBody>
-          <a:bodyPr anchor="t" rtlCol="false" tIns="0" lIns="0" bIns="0" rIns="0">
+          <a:bodyPr lIns="0" tIns="0" rIns="0" bIns="0" rtlCol="0" anchor="t">
             <a:spAutoFit/>
           </a:bodyPr>
           <a:lstStyle/>
@@ -5564,7 +5824,7 @@
               </a:lnSpc>
             </a:pPr>
             <a:r>
-              <a:rPr lang="en-US" b="true" sz="2499">
+              <a:rPr lang="en-US" sz="2499" b="1">
                 <a:solidFill>
                   <a:srgbClr val="404040"/>
                 </a:solidFill>
@@ -5580,12 +5840,12 @@
       </p:sp>
       <p:sp>
         <p:nvSpPr>
-          <p:cNvPr name="Freeform 5" id="5"/>
+          <p:cNvPr id="5" name="Freeform 5"/>
           <p:cNvSpPr/>
           <p:nvPr/>
         </p:nvSpPr>
         <p:spPr>
-          <a:xfrm flipH="false" flipV="false" rot="0">
+          <a:xfrm>
             <a:off x="-830107" y="-1296384"/>
             <a:ext cx="4114800" cy="4114800"/>
           </a:xfrm>
@@ -5594,9 +5854,9 @@
             <a:gdLst/>
             <a:ahLst/>
             <a:cxnLst/>
-            <a:rect r="r" b="b" t="t" l="l"/>
+            <a:rect l="l" t="t" r="r" b="b"/>
             <a:pathLst>
-              <a:path h="4114800" w="4114800">
+              <a:path w="4114800" h="4114800">
                 <a:moveTo>
                   <a:pt x="0" y="0"/>
                 </a:moveTo>
@@ -5626,19 +5886,26 @@
               </a:extLst>
             </a:blip>
             <a:stretch>
-              <a:fillRect l="0" t="0" r="0" b="0"/>
+              <a:fillRect/>
             </a:stretch>
           </a:blipFill>
         </p:spPr>
-      </p:sp>
-      <p:sp>
-        <p:nvSpPr>
-          <p:cNvPr name="Freeform 6" id="6"/>
+        <p:txBody>
+          <a:bodyPr/>
+          <a:lstStyle/>
+          <a:p>
+            <a:endParaRPr lang="es-CL"/>
+          </a:p>
+        </p:txBody>
+      </p:sp>
+      <p:sp>
+        <p:nvSpPr>
+          <p:cNvPr id="6" name="Freeform 6"/>
           <p:cNvSpPr/>
           <p:nvPr/>
         </p:nvSpPr>
         <p:spPr>
-          <a:xfrm flipH="false" flipV="false" rot="-8194833">
+          <a:xfrm rot="-8194833">
             <a:off x="14482979" y="8370874"/>
             <a:ext cx="5020066" cy="5020066"/>
           </a:xfrm>
@@ -5647,9 +5914,9 @@
             <a:gdLst/>
             <a:ahLst/>
             <a:cxnLst/>
-            <a:rect r="r" b="b" t="t" l="l"/>
+            <a:rect l="l" t="t" r="r" b="b"/>
             <a:pathLst>
-              <a:path h="5020066" w="5020066">
+              <a:path w="5020066" h="5020066">
                 <a:moveTo>
                   <a:pt x="0" y="0"/>
                 </a:moveTo>
@@ -5679,19 +5946,26 @@
               </a:extLst>
             </a:blip>
             <a:stretch>
-              <a:fillRect l="0" t="0" r="0" b="0"/>
+              <a:fillRect/>
             </a:stretch>
           </a:blipFill>
         </p:spPr>
-      </p:sp>
-      <p:sp>
-        <p:nvSpPr>
-          <p:cNvPr name="TextBox 7" id="7"/>
-          <p:cNvSpPr txBox="true"/>
-          <p:nvPr/>
-        </p:nvSpPr>
-        <p:spPr>
-          <a:xfrm rot="0">
+        <p:txBody>
+          <a:bodyPr/>
+          <a:lstStyle/>
+          <a:p>
+            <a:endParaRPr lang="es-CL"/>
+          </a:p>
+        </p:txBody>
+      </p:sp>
+      <p:sp>
+        <p:nvSpPr>
+          <p:cNvPr id="7" name="TextBox 7"/>
+          <p:cNvSpPr txBox="1"/>
+          <p:nvPr/>
+        </p:nvSpPr>
+        <p:spPr>
+          <a:xfrm>
             <a:off x="2429287" y="1965209"/>
             <a:ext cx="13809898" cy="853207"/>
           </a:xfrm>
@@ -5700,7 +5974,7 @@
           </a:prstGeom>
         </p:spPr>
         <p:txBody>
-          <a:bodyPr anchor="t" rtlCol="false" tIns="0" lIns="0" bIns="0" rIns="0">
+          <a:bodyPr lIns="0" tIns="0" rIns="0" bIns="0" rtlCol="0" anchor="t">
             <a:spAutoFit/>
           </a:bodyPr>
           <a:lstStyle/>
@@ -5711,7 +5985,7 @@
               </a:lnSpc>
             </a:pPr>
             <a:r>
-              <a:rPr lang="en-US" b="true" sz="5000">
+              <a:rPr lang="en-US" sz="5000" b="1">
                 <a:solidFill>
                   <a:srgbClr val="404040"/>
                 </a:solidFill>
@@ -5727,12 +6001,12 @@
       </p:sp>
       <p:sp>
         <p:nvSpPr>
-          <p:cNvPr name="Freeform 8" id="8"/>
+          <p:cNvPr id="8" name="Freeform 8"/>
           <p:cNvSpPr/>
           <p:nvPr/>
         </p:nvSpPr>
         <p:spPr>
-          <a:xfrm flipH="false" flipV="false" rot="0">
+          <a:xfrm>
             <a:off x="518360" y="622001"/>
             <a:ext cx="1173233" cy="1164700"/>
           </a:xfrm>
@@ -5741,9 +6015,9 @@
             <a:gdLst/>
             <a:ahLst/>
             <a:cxnLst/>
-            <a:rect r="r" b="b" t="t" l="l"/>
+            <a:rect l="l" t="t" r="r" b="b"/>
             <a:pathLst>
-              <a:path h="1164700" w="1173233">
+              <a:path w="1173233" h="1164700">
                 <a:moveTo>
                   <a:pt x="0" y="0"/>
                 </a:moveTo>
@@ -5772,10 +6046,17 @@
               </a:extLst>
             </a:blip>
             <a:stretch>
-              <a:fillRect l="0" t="0" r="0" b="0"/>
+              <a:fillRect/>
             </a:stretch>
           </a:blipFill>
         </p:spPr>
+        <p:txBody>
+          <a:bodyPr/>
+          <a:lstStyle/>
+          <a:p>
+            <a:endParaRPr lang="es-CL"/>
+          </a:p>
+        </p:txBody>
       </p:sp>
     </p:spTree>
   </p:cSld>
@@ -5786,7 +6067,7 @@
 </file>
 
 <file path=ppt/slides/slide4.xml><?xml version="1.0" encoding="utf-8"?>
-<p:sld xmlns:p="http://schemas.openxmlformats.org/presentationml/2006/main" xmlns:a="http://schemas.openxmlformats.org/drawingml/2006/main" xmlns:r="http://schemas.openxmlformats.org/officeDocument/2006/relationships">
+<p:sld xmlns:a="http://schemas.openxmlformats.org/drawingml/2006/main" xmlns:r="http://schemas.openxmlformats.org/officeDocument/2006/relationships" xmlns:p="http://schemas.openxmlformats.org/presentationml/2006/main">
   <p:cSld>
     <p:spTree>
       <p:nvGrpSpPr>
@@ -5804,12 +6085,12 @@
       </p:grpSpPr>
       <p:sp>
         <p:nvSpPr>
-          <p:cNvPr name="Freeform 2" id="2"/>
+          <p:cNvPr id="2" name="Freeform 2"/>
           <p:cNvSpPr/>
           <p:nvPr/>
         </p:nvSpPr>
         <p:spPr>
-          <a:xfrm flipH="false" flipV="false" rot="1748409">
+          <a:xfrm rot="1748409">
             <a:off x="-1871927" y="7973496"/>
             <a:ext cx="6755091" cy="6130246"/>
           </a:xfrm>
@@ -5818,9 +6099,9 @@
             <a:gdLst/>
             <a:ahLst/>
             <a:cxnLst/>
-            <a:rect r="r" b="b" t="t" l="l"/>
+            <a:rect l="l" t="t" r="r" b="b"/>
             <a:pathLst>
-              <a:path h="6130246" w="6755091">
+              <a:path w="6755091" h="6130246">
                 <a:moveTo>
                   <a:pt x="0" y="0"/>
                 </a:moveTo>
@@ -5845,19 +6126,26 @@
               <a:alphaModFix amt="21999"/>
             </a:blip>
             <a:stretch>
-              <a:fillRect l="0" t="0" r="0" b="0"/>
+              <a:fillRect/>
             </a:stretch>
           </a:blipFill>
         </p:spPr>
-      </p:sp>
-      <p:sp>
-        <p:nvSpPr>
-          <p:cNvPr name="Freeform 3" id="3"/>
+        <p:txBody>
+          <a:bodyPr/>
+          <a:lstStyle/>
+          <a:p>
+            <a:endParaRPr lang="es-CL"/>
+          </a:p>
+        </p:txBody>
+      </p:sp>
+      <p:sp>
+        <p:nvSpPr>
+          <p:cNvPr id="3" name="Freeform 3"/>
           <p:cNvSpPr/>
           <p:nvPr/>
         </p:nvSpPr>
         <p:spPr>
-          <a:xfrm flipH="false" flipV="false" rot="2223819">
+          <a:xfrm rot="2223819">
             <a:off x="10214960" y="-5715833"/>
             <a:ext cx="12596877" cy="11431666"/>
           </a:xfrm>
@@ -5866,9 +6154,9 @@
             <a:gdLst/>
             <a:ahLst/>
             <a:cxnLst/>
-            <a:rect r="r" b="b" t="t" l="l"/>
+            <a:rect l="l" t="t" r="r" b="b"/>
             <a:pathLst>
-              <a:path h="11431666" w="12596877">
+              <a:path w="12596877" h="11431666">
                 <a:moveTo>
                   <a:pt x="0" y="0"/>
                 </a:moveTo>
@@ -5893,19 +6181,26 @@
               <a:alphaModFix amt="10999"/>
             </a:blip>
             <a:stretch>
-              <a:fillRect l="0" t="0" r="0" b="0"/>
+              <a:fillRect/>
             </a:stretch>
           </a:blipFill>
         </p:spPr>
-      </p:sp>
-      <p:sp>
-        <p:nvSpPr>
-          <p:cNvPr name="Freeform 4" id="4"/>
+        <p:txBody>
+          <a:bodyPr/>
+          <a:lstStyle/>
+          <a:p>
+            <a:endParaRPr lang="es-CL"/>
+          </a:p>
+        </p:txBody>
+      </p:sp>
+      <p:sp>
+        <p:nvSpPr>
+          <p:cNvPr id="4" name="Freeform 4"/>
           <p:cNvSpPr/>
           <p:nvPr/>
         </p:nvSpPr>
         <p:spPr>
-          <a:xfrm flipH="false" flipV="false" rot="0">
+          <a:xfrm>
             <a:off x="-830107" y="-1296384"/>
             <a:ext cx="4114800" cy="4114800"/>
           </a:xfrm>
@@ -5914,9 +6209,9 @@
             <a:gdLst/>
             <a:ahLst/>
             <a:cxnLst/>
-            <a:rect r="r" b="b" t="t" l="l"/>
+            <a:rect l="l" t="t" r="r" b="b"/>
             <a:pathLst>
-              <a:path h="4114800" w="4114800">
+              <a:path w="4114800" h="4114800">
                 <a:moveTo>
                   <a:pt x="0" y="0"/>
                 </a:moveTo>
@@ -5946,19 +6241,26 @@
               </a:extLst>
             </a:blip>
             <a:stretch>
-              <a:fillRect l="0" t="0" r="0" b="0"/>
+              <a:fillRect/>
             </a:stretch>
           </a:blipFill>
         </p:spPr>
-      </p:sp>
-      <p:sp>
-        <p:nvSpPr>
-          <p:cNvPr name="Freeform 5" id="5"/>
+        <p:txBody>
+          <a:bodyPr/>
+          <a:lstStyle/>
+          <a:p>
+            <a:endParaRPr lang="es-CL"/>
+          </a:p>
+        </p:txBody>
+      </p:sp>
+      <p:sp>
+        <p:nvSpPr>
+          <p:cNvPr id="5" name="Freeform 5"/>
           <p:cNvSpPr/>
           <p:nvPr/>
         </p:nvSpPr>
         <p:spPr>
-          <a:xfrm flipH="false" flipV="false" rot="-8194833">
+          <a:xfrm rot="-8194833">
             <a:off x="14482979" y="8370874"/>
             <a:ext cx="5020066" cy="5020066"/>
           </a:xfrm>
@@ -5967,9 +6269,9 @@
             <a:gdLst/>
             <a:ahLst/>
             <a:cxnLst/>
-            <a:rect r="r" b="b" t="t" l="l"/>
+            <a:rect l="l" t="t" r="r" b="b"/>
             <a:pathLst>
-              <a:path h="5020066" w="5020066">
+              <a:path w="5020066" h="5020066">
                 <a:moveTo>
                   <a:pt x="0" y="0"/>
                 </a:moveTo>
@@ -5999,19 +6301,26 @@
               </a:extLst>
             </a:blip>
             <a:stretch>
-              <a:fillRect l="0" t="0" r="0" b="0"/>
+              <a:fillRect/>
             </a:stretch>
           </a:blipFill>
         </p:spPr>
-      </p:sp>
-      <p:sp>
-        <p:nvSpPr>
-          <p:cNvPr name="Freeform 6" id="6"/>
+        <p:txBody>
+          <a:bodyPr/>
+          <a:lstStyle/>
+          <a:p>
+            <a:endParaRPr lang="es-CL"/>
+          </a:p>
+        </p:txBody>
+      </p:sp>
+      <p:sp>
+        <p:nvSpPr>
+          <p:cNvPr id="6" name="Freeform 6"/>
           <p:cNvSpPr/>
           <p:nvPr/>
         </p:nvSpPr>
         <p:spPr>
-          <a:xfrm flipH="false" flipV="false" rot="0">
+          <a:xfrm>
             <a:off x="518360" y="622001"/>
             <a:ext cx="1173233" cy="1164700"/>
           </a:xfrm>
@@ -6020,9 +6329,9 @@
             <a:gdLst/>
             <a:ahLst/>
             <a:cxnLst/>
-            <a:rect r="r" b="b" t="t" l="l"/>
+            <a:rect l="l" t="t" r="r" b="b"/>
             <a:pathLst>
-              <a:path h="1164700" w="1173233">
+              <a:path w="1173233" h="1164700">
                 <a:moveTo>
                   <a:pt x="0" y="0"/>
                 </a:moveTo>
@@ -6051,19 +6360,26 @@
               </a:extLst>
             </a:blip>
             <a:stretch>
-              <a:fillRect l="0" t="0" r="0" b="0"/>
+              <a:fillRect/>
             </a:stretch>
           </a:blipFill>
         </p:spPr>
-      </p:sp>
-      <p:sp>
-        <p:nvSpPr>
-          <p:cNvPr name="Freeform 7" id="7"/>
+        <p:txBody>
+          <a:bodyPr/>
+          <a:lstStyle/>
+          <a:p>
+            <a:endParaRPr lang="es-CL"/>
+          </a:p>
+        </p:txBody>
+      </p:sp>
+      <p:sp>
+        <p:nvSpPr>
+          <p:cNvPr id="7" name="Freeform 7"/>
           <p:cNvSpPr/>
           <p:nvPr/>
         </p:nvSpPr>
         <p:spPr>
-          <a:xfrm flipH="false" flipV="false" rot="0">
+          <a:xfrm>
             <a:off x="6364462" y="3393228"/>
             <a:ext cx="1258497" cy="1258497"/>
           </a:xfrm>
@@ -6072,9 +6388,9 @@
             <a:gdLst/>
             <a:ahLst/>
             <a:cxnLst/>
-            <a:rect r="r" b="b" t="t" l="l"/>
+            <a:rect l="l" t="t" r="r" b="b"/>
             <a:pathLst>
-              <a:path h="1258497" w="1258497">
+              <a:path w="1258497" h="1258497">
                 <a:moveTo>
                   <a:pt x="0" y="0"/>
                 </a:moveTo>
@@ -6097,19 +6413,26 @@
           <a:blipFill>
             <a:blip r:embed="rId7"/>
             <a:stretch>
-              <a:fillRect l="0" t="0" r="0" b="0"/>
+              <a:fillRect/>
             </a:stretch>
           </a:blipFill>
         </p:spPr>
-      </p:sp>
-      <p:sp>
-        <p:nvSpPr>
-          <p:cNvPr name="Freeform 8" id="8"/>
+        <p:txBody>
+          <a:bodyPr/>
+          <a:lstStyle/>
+          <a:p>
+            <a:endParaRPr lang="es-CL"/>
+          </a:p>
+        </p:txBody>
+      </p:sp>
+      <p:sp>
+        <p:nvSpPr>
+          <p:cNvPr id="8" name="Freeform 8"/>
           <p:cNvSpPr/>
           <p:nvPr/>
         </p:nvSpPr>
         <p:spPr>
-          <a:xfrm flipH="false" flipV="false" rot="0">
+          <a:xfrm>
             <a:off x="3786407" y="6227397"/>
             <a:ext cx="1613515" cy="1613515"/>
           </a:xfrm>
@@ -6118,9 +6441,9 @@
             <a:gdLst/>
             <a:ahLst/>
             <a:cxnLst/>
-            <a:rect r="r" b="b" t="t" l="l"/>
+            <a:rect l="l" t="t" r="r" b="b"/>
             <a:pathLst>
-              <a:path h="1613515" w="1613515">
+              <a:path w="1613515" h="1613515">
                 <a:moveTo>
                   <a:pt x="0" y="0"/>
                 </a:moveTo>
@@ -6143,19 +6466,26 @@
           <a:blipFill>
             <a:blip r:embed="rId8"/>
             <a:stretch>
-              <a:fillRect l="0" t="0" r="0" b="0"/>
+              <a:fillRect/>
             </a:stretch>
           </a:blipFill>
         </p:spPr>
-      </p:sp>
-      <p:sp>
-        <p:nvSpPr>
-          <p:cNvPr name="Freeform 9" id="9"/>
+        <p:txBody>
+          <a:bodyPr/>
+          <a:lstStyle/>
+          <a:p>
+            <a:endParaRPr lang="es-CL"/>
+          </a:p>
+        </p:txBody>
+      </p:sp>
+      <p:sp>
+        <p:nvSpPr>
+          <p:cNvPr id="9" name="Freeform 9"/>
           <p:cNvSpPr/>
           <p:nvPr/>
         </p:nvSpPr>
         <p:spPr>
-          <a:xfrm flipH="false" flipV="false" rot="0">
+          <a:xfrm>
             <a:off x="8544899" y="3293532"/>
             <a:ext cx="2782720" cy="1117150"/>
           </a:xfrm>
@@ -6164,9 +6494,9 @@
             <a:gdLst/>
             <a:ahLst/>
             <a:cxnLst/>
-            <a:rect r="r" b="b" t="t" l="l"/>
+            <a:rect l="l" t="t" r="r" b="b"/>
             <a:pathLst>
-              <a:path h="1117150" w="2782720">
+              <a:path w="2782720" h="1117150">
                 <a:moveTo>
                   <a:pt x="0" y="0"/>
                 </a:moveTo>
@@ -6189,19 +6519,26 @@
           <a:blipFill>
             <a:blip r:embed="rId9"/>
             <a:stretch>
-              <a:fillRect l="0" t="0" r="0" b="0"/>
+              <a:fillRect/>
             </a:stretch>
           </a:blipFill>
         </p:spPr>
-      </p:sp>
-      <p:sp>
-        <p:nvSpPr>
-          <p:cNvPr name="Freeform 10" id="10"/>
+        <p:txBody>
+          <a:bodyPr/>
+          <a:lstStyle/>
+          <a:p>
+            <a:endParaRPr lang="es-CL"/>
+          </a:p>
+        </p:txBody>
+      </p:sp>
+      <p:sp>
+        <p:nvSpPr>
+          <p:cNvPr id="10" name="Freeform 10"/>
           <p:cNvSpPr/>
           <p:nvPr/>
         </p:nvSpPr>
         <p:spPr>
-          <a:xfrm flipH="false" flipV="false" rot="0">
+          <a:xfrm>
             <a:off x="6589058" y="6100958"/>
             <a:ext cx="1453454" cy="1866394"/>
           </a:xfrm>
@@ -6210,9 +6547,9 @@
             <a:gdLst/>
             <a:ahLst/>
             <a:cxnLst/>
-            <a:rect r="r" b="b" t="t" l="l"/>
+            <a:rect l="l" t="t" r="r" b="b"/>
             <a:pathLst>
-              <a:path h="1866394" w="1453454">
+              <a:path w="1453454" h="1866394">
                 <a:moveTo>
                   <a:pt x="0" y="0"/>
                 </a:moveTo>
@@ -6235,19 +6572,26 @@
           <a:blipFill>
             <a:blip r:embed="rId10"/>
             <a:stretch>
-              <a:fillRect l="0" t="0" r="0" b="0"/>
+              <a:fillRect/>
             </a:stretch>
           </a:blipFill>
         </p:spPr>
-      </p:sp>
-      <p:sp>
-        <p:nvSpPr>
-          <p:cNvPr name="Freeform 11" id="11"/>
+        <p:txBody>
+          <a:bodyPr/>
+          <a:lstStyle/>
+          <a:p>
+            <a:endParaRPr lang="es-CL"/>
+          </a:p>
+        </p:txBody>
+      </p:sp>
+      <p:sp>
+        <p:nvSpPr>
+          <p:cNvPr id="11" name="Freeform 11"/>
           <p:cNvSpPr/>
           <p:nvPr/>
         </p:nvSpPr>
         <p:spPr>
-          <a:xfrm flipH="false" flipV="false" rot="0">
+          <a:xfrm>
             <a:off x="12467243" y="5790022"/>
             <a:ext cx="3408735" cy="2177330"/>
           </a:xfrm>
@@ -6256,9 +6600,9 @@
             <a:gdLst/>
             <a:ahLst/>
             <a:cxnLst/>
-            <a:rect r="r" b="b" t="t" l="l"/>
+            <a:rect l="l" t="t" r="r" b="b"/>
             <a:pathLst>
-              <a:path h="2177330" w="3408735">
+              <a:path w="3408735" h="2177330">
                 <a:moveTo>
                   <a:pt x="0" y="0"/>
                 </a:moveTo>
@@ -6281,19 +6625,26 @@
           <a:blipFill>
             <a:blip r:embed="rId11"/>
             <a:stretch>
-              <a:fillRect l="0" t="0" r="0" b="0"/>
+              <a:fillRect/>
             </a:stretch>
           </a:blipFill>
         </p:spPr>
-      </p:sp>
-      <p:sp>
-        <p:nvSpPr>
-          <p:cNvPr name="Freeform 12" id="12"/>
+        <p:txBody>
+          <a:bodyPr/>
+          <a:lstStyle/>
+          <a:p>
+            <a:endParaRPr lang="es-CL"/>
+          </a:p>
+        </p:txBody>
+      </p:sp>
+      <p:sp>
+        <p:nvSpPr>
+          <p:cNvPr id="12" name="Freeform 12"/>
           <p:cNvSpPr/>
           <p:nvPr/>
         </p:nvSpPr>
         <p:spPr>
-          <a:xfrm flipH="false" flipV="false" rot="0">
+          <a:xfrm>
             <a:off x="8941468" y="6059218"/>
             <a:ext cx="3035071" cy="1638938"/>
           </a:xfrm>
@@ -6302,9 +6653,9 @@
             <a:gdLst/>
             <a:ahLst/>
             <a:cxnLst/>
-            <a:rect r="r" b="b" t="t" l="l"/>
+            <a:rect l="l" t="t" r="r" b="b"/>
             <a:pathLst>
-              <a:path h="1638938" w="3035071">
+              <a:path w="3035071" h="1638938">
                 <a:moveTo>
                   <a:pt x="0" y="0"/>
                 </a:moveTo>
@@ -6327,19 +6678,26 @@
           <a:blipFill>
             <a:blip r:embed="rId12"/>
             <a:stretch>
-              <a:fillRect l="0" t="0" r="0" b="0"/>
+              <a:fillRect/>
             </a:stretch>
           </a:blipFill>
         </p:spPr>
-      </p:sp>
-      <p:sp>
-        <p:nvSpPr>
-          <p:cNvPr name="TextBox 13" id="13"/>
-          <p:cNvSpPr txBox="true"/>
-          <p:nvPr/>
-        </p:nvSpPr>
-        <p:spPr>
-          <a:xfrm rot="0">
+        <p:txBody>
+          <a:bodyPr/>
+          <a:lstStyle/>
+          <a:p>
+            <a:endParaRPr lang="es-CL"/>
+          </a:p>
+        </p:txBody>
+      </p:sp>
+      <p:sp>
+        <p:nvSpPr>
+          <p:cNvPr id="13" name="TextBox 13"/>
+          <p:cNvSpPr txBox="1"/>
+          <p:nvPr/>
+        </p:nvSpPr>
+        <p:spPr>
+          <a:xfrm>
             <a:off x="2429287" y="1965209"/>
             <a:ext cx="13809898" cy="853207"/>
           </a:xfrm>
@@ -6348,7 +6706,7 @@
           </a:prstGeom>
         </p:spPr>
         <p:txBody>
-          <a:bodyPr anchor="t" rtlCol="false" tIns="0" lIns="0" bIns="0" rIns="0">
+          <a:bodyPr lIns="0" tIns="0" rIns="0" bIns="0" rtlCol="0" anchor="t">
             <a:spAutoFit/>
           </a:bodyPr>
           <a:lstStyle/>
@@ -6359,7 +6717,7 @@
               </a:lnSpc>
             </a:pPr>
             <a:r>
-              <a:rPr lang="en-US" b="true" sz="5000">
+              <a:rPr lang="en-US" sz="5000" b="1">
                 <a:solidFill>
                   <a:srgbClr val="404040"/>
                 </a:solidFill>
@@ -6382,7 +6740,7 @@
 </file>
 
 <file path=ppt/slides/slide5.xml><?xml version="1.0" encoding="utf-8"?>
-<p:sld xmlns:p="http://schemas.openxmlformats.org/presentationml/2006/main" xmlns:a="http://schemas.openxmlformats.org/drawingml/2006/main" xmlns:r="http://schemas.openxmlformats.org/officeDocument/2006/relationships">
+<p:sld xmlns:a="http://schemas.openxmlformats.org/drawingml/2006/main" xmlns:r="http://schemas.openxmlformats.org/officeDocument/2006/relationships" xmlns:p="http://schemas.openxmlformats.org/presentationml/2006/main">
   <p:cSld>
     <p:spTree>
       <p:nvGrpSpPr>
@@ -6400,12 +6758,12 @@
       </p:grpSpPr>
       <p:sp>
         <p:nvSpPr>
-          <p:cNvPr name="Freeform 2" id="2"/>
+          <p:cNvPr id="2" name="Freeform 2"/>
           <p:cNvSpPr/>
           <p:nvPr/>
         </p:nvSpPr>
         <p:spPr>
-          <a:xfrm flipH="false" flipV="false" rot="1748409">
+          <a:xfrm rot="1748409">
             <a:off x="-1871927" y="7973496"/>
             <a:ext cx="6755091" cy="6130246"/>
           </a:xfrm>
@@ -6414,9 +6772,9 @@
             <a:gdLst/>
             <a:ahLst/>
             <a:cxnLst/>
-            <a:rect r="r" b="b" t="t" l="l"/>
+            <a:rect l="l" t="t" r="r" b="b"/>
             <a:pathLst>
-              <a:path h="6130246" w="6755091">
+              <a:path w="6755091" h="6130246">
                 <a:moveTo>
                   <a:pt x="0" y="0"/>
                 </a:moveTo>
@@ -6441,19 +6799,26 @@
               <a:alphaModFix amt="21999"/>
             </a:blip>
             <a:stretch>
-              <a:fillRect l="0" t="0" r="0" b="0"/>
+              <a:fillRect/>
             </a:stretch>
           </a:blipFill>
         </p:spPr>
-      </p:sp>
-      <p:sp>
-        <p:nvSpPr>
-          <p:cNvPr name="Freeform 3" id="3"/>
+        <p:txBody>
+          <a:bodyPr/>
+          <a:lstStyle/>
+          <a:p>
+            <a:endParaRPr lang="es-CL"/>
+          </a:p>
+        </p:txBody>
+      </p:sp>
+      <p:sp>
+        <p:nvSpPr>
+          <p:cNvPr id="3" name="Freeform 3"/>
           <p:cNvSpPr/>
           <p:nvPr/>
         </p:nvSpPr>
         <p:spPr>
-          <a:xfrm flipH="false" flipV="false" rot="2223819">
+          <a:xfrm rot="2223819">
             <a:off x="10214960" y="-5715833"/>
             <a:ext cx="12596877" cy="11431666"/>
           </a:xfrm>
@@ -6462,9 +6827,9 @@
             <a:gdLst/>
             <a:ahLst/>
             <a:cxnLst/>
-            <a:rect r="r" b="b" t="t" l="l"/>
+            <a:rect l="l" t="t" r="r" b="b"/>
             <a:pathLst>
-              <a:path h="11431666" w="12596877">
+              <a:path w="12596877" h="11431666">
                 <a:moveTo>
                   <a:pt x="0" y="0"/>
                 </a:moveTo>
@@ -6489,19 +6854,26 @@
               <a:alphaModFix amt="10999"/>
             </a:blip>
             <a:stretch>
-              <a:fillRect l="0" t="0" r="0" b="0"/>
+              <a:fillRect/>
             </a:stretch>
           </a:blipFill>
         </p:spPr>
-      </p:sp>
-      <p:sp>
-        <p:nvSpPr>
-          <p:cNvPr name="Freeform 4" id="4"/>
+        <p:txBody>
+          <a:bodyPr/>
+          <a:lstStyle/>
+          <a:p>
+            <a:endParaRPr lang="es-CL"/>
+          </a:p>
+        </p:txBody>
+      </p:sp>
+      <p:sp>
+        <p:nvSpPr>
+          <p:cNvPr id="4" name="Freeform 4"/>
           <p:cNvSpPr/>
           <p:nvPr/>
         </p:nvSpPr>
         <p:spPr>
-          <a:xfrm flipH="false" flipV="false" rot="0">
+          <a:xfrm>
             <a:off x="-830107" y="-1296384"/>
             <a:ext cx="4114800" cy="4114800"/>
           </a:xfrm>
@@ -6510,9 +6882,9 @@
             <a:gdLst/>
             <a:ahLst/>
             <a:cxnLst/>
-            <a:rect r="r" b="b" t="t" l="l"/>
+            <a:rect l="l" t="t" r="r" b="b"/>
             <a:pathLst>
-              <a:path h="4114800" w="4114800">
+              <a:path w="4114800" h="4114800">
                 <a:moveTo>
                   <a:pt x="0" y="0"/>
                 </a:moveTo>
@@ -6542,19 +6914,26 @@
               </a:extLst>
             </a:blip>
             <a:stretch>
-              <a:fillRect l="0" t="0" r="0" b="0"/>
+              <a:fillRect/>
             </a:stretch>
           </a:blipFill>
         </p:spPr>
-      </p:sp>
-      <p:sp>
-        <p:nvSpPr>
-          <p:cNvPr name="Freeform 5" id="5"/>
+        <p:txBody>
+          <a:bodyPr/>
+          <a:lstStyle/>
+          <a:p>
+            <a:endParaRPr lang="es-CL"/>
+          </a:p>
+        </p:txBody>
+      </p:sp>
+      <p:sp>
+        <p:nvSpPr>
+          <p:cNvPr id="5" name="Freeform 5"/>
           <p:cNvSpPr/>
           <p:nvPr/>
         </p:nvSpPr>
         <p:spPr>
-          <a:xfrm flipH="false" flipV="false" rot="-8194833">
+          <a:xfrm rot="-8194833">
             <a:off x="14482979" y="8370874"/>
             <a:ext cx="5020066" cy="5020066"/>
           </a:xfrm>
@@ -6563,9 +6942,9 @@
             <a:gdLst/>
             <a:ahLst/>
             <a:cxnLst/>
-            <a:rect r="r" b="b" t="t" l="l"/>
+            <a:rect l="l" t="t" r="r" b="b"/>
             <a:pathLst>
-              <a:path h="5020066" w="5020066">
+              <a:path w="5020066" h="5020066">
                 <a:moveTo>
                   <a:pt x="0" y="0"/>
                 </a:moveTo>
@@ -6595,19 +6974,26 @@
               </a:extLst>
             </a:blip>
             <a:stretch>
-              <a:fillRect l="0" t="0" r="0" b="0"/>
+              <a:fillRect/>
             </a:stretch>
           </a:blipFill>
         </p:spPr>
-      </p:sp>
-      <p:sp>
-        <p:nvSpPr>
-          <p:cNvPr name="Freeform 6" id="6"/>
+        <p:txBody>
+          <a:bodyPr/>
+          <a:lstStyle/>
+          <a:p>
+            <a:endParaRPr lang="es-CL"/>
+          </a:p>
+        </p:txBody>
+      </p:sp>
+      <p:sp>
+        <p:nvSpPr>
+          <p:cNvPr id="6" name="Freeform 6"/>
           <p:cNvSpPr/>
           <p:nvPr/>
         </p:nvSpPr>
         <p:spPr>
-          <a:xfrm flipH="false" flipV="false" rot="0">
+          <a:xfrm>
             <a:off x="518360" y="622001"/>
             <a:ext cx="1173233" cy="1164700"/>
           </a:xfrm>
@@ -6616,9 +7002,9 @@
             <a:gdLst/>
             <a:ahLst/>
             <a:cxnLst/>
-            <a:rect r="r" b="b" t="t" l="l"/>
+            <a:rect l="l" t="t" r="r" b="b"/>
             <a:pathLst>
-              <a:path h="1164700" w="1173233">
+              <a:path w="1173233" h="1164700">
                 <a:moveTo>
                   <a:pt x="0" y="0"/>
                 </a:moveTo>
@@ -6647,19 +7033,26 @@
               </a:extLst>
             </a:blip>
             <a:stretch>
-              <a:fillRect l="0" t="0" r="0" b="0"/>
+              <a:fillRect/>
             </a:stretch>
           </a:blipFill>
         </p:spPr>
-      </p:sp>
-      <p:sp>
-        <p:nvSpPr>
-          <p:cNvPr name="Freeform 7" id="7"/>
+        <p:txBody>
+          <a:bodyPr/>
+          <a:lstStyle/>
+          <a:p>
+            <a:endParaRPr lang="es-CL"/>
+          </a:p>
+        </p:txBody>
+      </p:sp>
+      <p:sp>
+        <p:nvSpPr>
+          <p:cNvPr id="7" name="Freeform 7"/>
           <p:cNvSpPr/>
           <p:nvPr/>
         </p:nvSpPr>
         <p:spPr>
-          <a:xfrm flipH="false" flipV="false" rot="0">
+          <a:xfrm>
             <a:off x="4560635" y="2387840"/>
             <a:ext cx="8111905" cy="7085265"/>
           </a:xfrm>
@@ -6668,9 +7061,9 @@
             <a:gdLst/>
             <a:ahLst/>
             <a:cxnLst/>
-            <a:rect r="r" b="b" t="t" l="l"/>
+            <a:rect l="l" t="t" r="r" b="b"/>
             <a:pathLst>
-              <a:path h="7085265" w="8111905">
+              <a:path w="8111905" h="7085265">
                 <a:moveTo>
                   <a:pt x="0" y="0"/>
                 </a:moveTo>
@@ -6693,19 +7086,26 @@
           <a:blipFill>
             <a:blip r:embed="rId7"/>
             <a:stretch>
-              <a:fillRect l="0" t="0" r="0" b="0"/>
+              <a:fillRect/>
             </a:stretch>
           </a:blipFill>
         </p:spPr>
-      </p:sp>
-      <p:sp>
-        <p:nvSpPr>
-          <p:cNvPr name="TextBox 8" id="8"/>
-          <p:cNvSpPr txBox="true"/>
-          <p:nvPr/>
-        </p:nvSpPr>
-        <p:spPr>
-          <a:xfrm rot="0">
+        <p:txBody>
+          <a:bodyPr/>
+          <a:lstStyle/>
+          <a:p>
+            <a:endParaRPr lang="es-CL"/>
+          </a:p>
+        </p:txBody>
+      </p:sp>
+      <p:sp>
+        <p:nvSpPr>
+          <p:cNvPr id="8" name="TextBox 8"/>
+          <p:cNvSpPr txBox="1"/>
+          <p:nvPr/>
+        </p:nvSpPr>
+        <p:spPr>
+          <a:xfrm>
             <a:off x="1505619" y="1032294"/>
             <a:ext cx="13809898" cy="853207"/>
           </a:xfrm>
@@ -6714,7 +7114,7 @@
           </a:prstGeom>
         </p:spPr>
         <p:txBody>
-          <a:bodyPr anchor="t" rtlCol="false" tIns="0" lIns="0" bIns="0" rIns="0">
+          <a:bodyPr lIns="0" tIns="0" rIns="0" bIns="0" rtlCol="0" anchor="t">
             <a:spAutoFit/>
           </a:bodyPr>
           <a:lstStyle/>
@@ -6725,7 +7125,7 @@
               </a:lnSpc>
             </a:pPr>
             <a:r>
-              <a:rPr lang="en-US" b="true" sz="5000">
+              <a:rPr lang="en-US" sz="5000" b="1">
                 <a:solidFill>
                   <a:srgbClr val="404040"/>
                 </a:solidFill>
@@ -6748,7 +7148,7 @@
 </file>
 
 <file path=ppt/slides/slide6.xml><?xml version="1.0" encoding="utf-8"?>
-<p:sld xmlns:p="http://schemas.openxmlformats.org/presentationml/2006/main" xmlns:a="http://schemas.openxmlformats.org/drawingml/2006/main" xmlns:r="http://schemas.openxmlformats.org/officeDocument/2006/relationships">
+<p:sld xmlns:a="http://schemas.openxmlformats.org/drawingml/2006/main" xmlns:r="http://schemas.openxmlformats.org/officeDocument/2006/relationships" xmlns:p="http://schemas.openxmlformats.org/presentationml/2006/main">
   <p:cSld>
     <p:spTree>
       <p:nvGrpSpPr>
@@ -6766,12 +7166,12 @@
       </p:grpSpPr>
       <p:sp>
         <p:nvSpPr>
-          <p:cNvPr name="Freeform 2" id="2"/>
+          <p:cNvPr id="2" name="Freeform 2"/>
           <p:cNvSpPr/>
           <p:nvPr/>
         </p:nvSpPr>
         <p:spPr>
-          <a:xfrm flipH="false" flipV="false" rot="1748409">
+          <a:xfrm rot="1748409">
             <a:off x="-1871927" y="7973496"/>
             <a:ext cx="6755091" cy="6130246"/>
           </a:xfrm>
@@ -6780,9 +7180,9 @@
             <a:gdLst/>
             <a:ahLst/>
             <a:cxnLst/>
-            <a:rect r="r" b="b" t="t" l="l"/>
+            <a:rect l="l" t="t" r="r" b="b"/>
             <a:pathLst>
-              <a:path h="6130246" w="6755091">
+              <a:path w="6755091" h="6130246">
                 <a:moveTo>
                   <a:pt x="0" y="0"/>
                 </a:moveTo>
@@ -6807,19 +7207,26 @@
               <a:alphaModFix amt="21999"/>
             </a:blip>
             <a:stretch>
-              <a:fillRect l="0" t="0" r="0" b="0"/>
+              <a:fillRect/>
             </a:stretch>
           </a:blipFill>
         </p:spPr>
-      </p:sp>
-      <p:sp>
-        <p:nvSpPr>
-          <p:cNvPr name="Freeform 3" id="3"/>
+        <p:txBody>
+          <a:bodyPr/>
+          <a:lstStyle/>
+          <a:p>
+            <a:endParaRPr lang="es-CL"/>
+          </a:p>
+        </p:txBody>
+      </p:sp>
+      <p:sp>
+        <p:nvSpPr>
+          <p:cNvPr id="3" name="Freeform 3"/>
           <p:cNvSpPr/>
           <p:nvPr/>
         </p:nvSpPr>
         <p:spPr>
-          <a:xfrm flipH="false" flipV="false" rot="2223819">
+          <a:xfrm rot="2223819">
             <a:off x="10214960" y="-5715833"/>
             <a:ext cx="12596877" cy="11431666"/>
           </a:xfrm>
@@ -6828,9 +7235,9 @@
             <a:gdLst/>
             <a:ahLst/>
             <a:cxnLst/>
-            <a:rect r="r" b="b" t="t" l="l"/>
+            <a:rect l="l" t="t" r="r" b="b"/>
             <a:pathLst>
-              <a:path h="11431666" w="12596877">
+              <a:path w="12596877" h="11431666">
                 <a:moveTo>
                   <a:pt x="0" y="0"/>
                 </a:moveTo>
@@ -6855,19 +7262,26 @@
               <a:alphaModFix amt="10999"/>
             </a:blip>
             <a:stretch>
-              <a:fillRect l="0" t="0" r="0" b="0"/>
+              <a:fillRect/>
             </a:stretch>
           </a:blipFill>
         </p:spPr>
-      </p:sp>
-      <p:sp>
-        <p:nvSpPr>
-          <p:cNvPr name="Freeform 4" id="4"/>
+        <p:txBody>
+          <a:bodyPr/>
+          <a:lstStyle/>
+          <a:p>
+            <a:endParaRPr lang="es-CL"/>
+          </a:p>
+        </p:txBody>
+      </p:sp>
+      <p:sp>
+        <p:nvSpPr>
+          <p:cNvPr id="4" name="Freeform 4"/>
           <p:cNvSpPr/>
           <p:nvPr/>
         </p:nvSpPr>
         <p:spPr>
-          <a:xfrm flipH="false" flipV="false" rot="0">
+          <a:xfrm>
             <a:off x="-830107" y="-1296384"/>
             <a:ext cx="4114800" cy="4114800"/>
           </a:xfrm>
@@ -6876,9 +7290,9 @@
             <a:gdLst/>
             <a:ahLst/>
             <a:cxnLst/>
-            <a:rect r="r" b="b" t="t" l="l"/>
+            <a:rect l="l" t="t" r="r" b="b"/>
             <a:pathLst>
-              <a:path h="4114800" w="4114800">
+              <a:path w="4114800" h="4114800">
                 <a:moveTo>
                   <a:pt x="0" y="0"/>
                 </a:moveTo>
@@ -6908,19 +7322,26 @@
               </a:extLst>
             </a:blip>
             <a:stretch>
-              <a:fillRect l="0" t="0" r="0" b="0"/>
+              <a:fillRect/>
             </a:stretch>
           </a:blipFill>
         </p:spPr>
-      </p:sp>
-      <p:sp>
-        <p:nvSpPr>
-          <p:cNvPr name="Freeform 5" id="5"/>
+        <p:txBody>
+          <a:bodyPr/>
+          <a:lstStyle/>
+          <a:p>
+            <a:endParaRPr lang="es-CL"/>
+          </a:p>
+        </p:txBody>
+      </p:sp>
+      <p:sp>
+        <p:nvSpPr>
+          <p:cNvPr id="5" name="Freeform 5"/>
           <p:cNvSpPr/>
           <p:nvPr/>
         </p:nvSpPr>
         <p:spPr>
-          <a:xfrm flipH="false" flipV="false" rot="-8194833">
+          <a:xfrm rot="-8194833">
             <a:off x="14482979" y="8370874"/>
             <a:ext cx="5020066" cy="5020066"/>
           </a:xfrm>
@@ -6929,9 +7350,9 @@
             <a:gdLst/>
             <a:ahLst/>
             <a:cxnLst/>
-            <a:rect r="r" b="b" t="t" l="l"/>
+            <a:rect l="l" t="t" r="r" b="b"/>
             <a:pathLst>
-              <a:path h="5020066" w="5020066">
+              <a:path w="5020066" h="5020066">
                 <a:moveTo>
                   <a:pt x="0" y="0"/>
                 </a:moveTo>
@@ -6961,19 +7382,26 @@
               </a:extLst>
             </a:blip>
             <a:stretch>
-              <a:fillRect l="0" t="0" r="0" b="0"/>
+              <a:fillRect/>
             </a:stretch>
           </a:blipFill>
         </p:spPr>
-      </p:sp>
-      <p:sp>
-        <p:nvSpPr>
-          <p:cNvPr name="Freeform 6" id="6"/>
+        <p:txBody>
+          <a:bodyPr/>
+          <a:lstStyle/>
+          <a:p>
+            <a:endParaRPr lang="es-CL"/>
+          </a:p>
+        </p:txBody>
+      </p:sp>
+      <p:sp>
+        <p:nvSpPr>
+          <p:cNvPr id="6" name="Freeform 6"/>
           <p:cNvSpPr/>
           <p:nvPr/>
         </p:nvSpPr>
         <p:spPr>
-          <a:xfrm flipH="false" flipV="false" rot="0">
+          <a:xfrm>
             <a:off x="518360" y="622001"/>
             <a:ext cx="1173233" cy="1164700"/>
           </a:xfrm>
@@ -6982,9 +7410,9 @@
             <a:gdLst/>
             <a:ahLst/>
             <a:cxnLst/>
-            <a:rect r="r" b="b" t="t" l="l"/>
+            <a:rect l="l" t="t" r="r" b="b"/>
             <a:pathLst>
-              <a:path h="1164700" w="1173233">
+              <a:path w="1173233" h="1164700">
                 <a:moveTo>
                   <a:pt x="0" y="0"/>
                 </a:moveTo>
@@ -7013,19 +7441,26 @@
               </a:extLst>
             </a:blip>
             <a:stretch>
-              <a:fillRect l="0" t="0" r="0" b="0"/>
+              <a:fillRect/>
             </a:stretch>
           </a:blipFill>
         </p:spPr>
-      </p:sp>
-      <p:sp>
-        <p:nvSpPr>
-          <p:cNvPr name="Freeform 7" id="7"/>
+        <p:txBody>
+          <a:bodyPr/>
+          <a:lstStyle/>
+          <a:p>
+            <a:endParaRPr lang="es-CL"/>
+          </a:p>
+        </p:txBody>
+      </p:sp>
+      <p:sp>
+        <p:nvSpPr>
+          <p:cNvPr id="7" name="Freeform 7"/>
           <p:cNvSpPr/>
           <p:nvPr/>
         </p:nvSpPr>
         <p:spPr>
-          <a:xfrm flipH="false" flipV="false" rot="0">
+          <a:xfrm>
             <a:off x="1417572" y="1825570"/>
             <a:ext cx="15432536" cy="7870593"/>
           </a:xfrm>
@@ -7034,9 +7469,9 @@
             <a:gdLst/>
             <a:ahLst/>
             <a:cxnLst/>
-            <a:rect r="r" b="b" t="t" l="l"/>
+            <a:rect l="l" t="t" r="r" b="b"/>
             <a:pathLst>
-              <a:path h="7870593" w="15432536">
+              <a:path w="15432536" h="7870593">
                 <a:moveTo>
                   <a:pt x="0" y="0"/>
                 </a:moveTo>
@@ -7059,7 +7494,7 @@
           <a:blipFill>
             <a:blip r:embed="rId7"/>
             <a:stretch>
-              <a:fillRect l="0" t="0" r="0" b="0"/>
+              <a:fillRect/>
             </a:stretch>
           </a:blipFill>
           <a:ln w="38100" cap="sq">
@@ -7070,15 +7505,22 @@
             <a:miter/>
           </a:ln>
         </p:spPr>
-      </p:sp>
-      <p:sp>
-        <p:nvSpPr>
-          <p:cNvPr name="TextBox 8" id="8"/>
-          <p:cNvSpPr txBox="true"/>
-          <p:nvPr/>
-        </p:nvSpPr>
-        <p:spPr>
-          <a:xfrm rot="0">
+        <p:txBody>
+          <a:bodyPr/>
+          <a:lstStyle/>
+          <a:p>
+            <a:endParaRPr lang="es-CL"/>
+          </a:p>
+        </p:txBody>
+      </p:sp>
+      <p:sp>
+        <p:nvSpPr>
+          <p:cNvPr id="8" name="TextBox 8"/>
+          <p:cNvSpPr txBox="1"/>
+          <p:nvPr/>
+        </p:nvSpPr>
+        <p:spPr>
+          <a:xfrm>
             <a:off x="2239051" y="291550"/>
             <a:ext cx="13809898" cy="853207"/>
           </a:xfrm>
@@ -7087,7 +7529,7 @@
           </a:prstGeom>
         </p:spPr>
         <p:txBody>
-          <a:bodyPr anchor="t" rtlCol="false" tIns="0" lIns="0" bIns="0" rIns="0">
+          <a:bodyPr lIns="0" tIns="0" rIns="0" bIns="0" rtlCol="0" anchor="t">
             <a:spAutoFit/>
           </a:bodyPr>
           <a:lstStyle/>
@@ -7098,7 +7540,7 @@
               </a:lnSpc>
             </a:pPr>
             <a:r>
-              <a:rPr lang="en-US" b="true" sz="5000">
+              <a:rPr lang="en-US" sz="5000" b="1">
                 <a:solidFill>
                   <a:srgbClr val="404040"/>
                 </a:solidFill>
@@ -7121,7 +7563,7 @@
 </file>
 
 <file path=ppt/slides/slide7.xml><?xml version="1.0" encoding="utf-8"?>
-<p:sld xmlns:p="http://schemas.openxmlformats.org/presentationml/2006/main" xmlns:a="http://schemas.openxmlformats.org/drawingml/2006/main" xmlns:r="http://schemas.openxmlformats.org/officeDocument/2006/relationships">
+<p:sld xmlns:a="http://schemas.openxmlformats.org/drawingml/2006/main" xmlns:r="http://schemas.openxmlformats.org/officeDocument/2006/relationships" xmlns:p="http://schemas.openxmlformats.org/presentationml/2006/main">
   <p:cSld>
     <p:spTree>
       <p:nvGrpSpPr>
@@ -7139,12 +7581,12 @@
       </p:grpSpPr>
       <p:sp>
         <p:nvSpPr>
-          <p:cNvPr name="Freeform 2" id="2"/>
+          <p:cNvPr id="2" name="Freeform 2"/>
           <p:cNvSpPr/>
           <p:nvPr/>
         </p:nvSpPr>
         <p:spPr>
-          <a:xfrm flipH="false" flipV="false" rot="1748409">
+          <a:xfrm rot="1748409">
             <a:off x="-1871927" y="7973496"/>
             <a:ext cx="6755091" cy="6130246"/>
           </a:xfrm>
@@ -7153,9 +7595,9 @@
             <a:gdLst/>
             <a:ahLst/>
             <a:cxnLst/>
-            <a:rect r="r" b="b" t="t" l="l"/>
+            <a:rect l="l" t="t" r="r" b="b"/>
             <a:pathLst>
-              <a:path h="6130246" w="6755091">
+              <a:path w="6755091" h="6130246">
                 <a:moveTo>
                   <a:pt x="0" y="0"/>
                 </a:moveTo>
@@ -7180,19 +7622,26 @@
               <a:alphaModFix amt="21999"/>
             </a:blip>
             <a:stretch>
-              <a:fillRect l="0" t="0" r="0" b="0"/>
+              <a:fillRect/>
             </a:stretch>
           </a:blipFill>
         </p:spPr>
-      </p:sp>
-      <p:sp>
-        <p:nvSpPr>
-          <p:cNvPr name="Freeform 3" id="3"/>
+        <p:txBody>
+          <a:bodyPr/>
+          <a:lstStyle/>
+          <a:p>
+            <a:endParaRPr lang="es-CL"/>
+          </a:p>
+        </p:txBody>
+      </p:sp>
+      <p:sp>
+        <p:nvSpPr>
+          <p:cNvPr id="3" name="Freeform 3"/>
           <p:cNvSpPr/>
           <p:nvPr/>
         </p:nvSpPr>
         <p:spPr>
-          <a:xfrm flipH="false" flipV="false" rot="2223819">
+          <a:xfrm rot="2223819">
             <a:off x="10214960" y="-5715833"/>
             <a:ext cx="12596877" cy="11431666"/>
           </a:xfrm>
@@ -7201,9 +7650,9 @@
             <a:gdLst/>
             <a:ahLst/>
             <a:cxnLst/>
-            <a:rect r="r" b="b" t="t" l="l"/>
+            <a:rect l="l" t="t" r="r" b="b"/>
             <a:pathLst>
-              <a:path h="11431666" w="12596877">
+              <a:path w="12596877" h="11431666">
                 <a:moveTo>
                   <a:pt x="0" y="0"/>
                 </a:moveTo>
@@ -7228,19 +7677,26 @@
               <a:alphaModFix amt="10999"/>
             </a:blip>
             <a:stretch>
-              <a:fillRect l="0" t="0" r="0" b="0"/>
+              <a:fillRect/>
             </a:stretch>
           </a:blipFill>
         </p:spPr>
-      </p:sp>
-      <p:sp>
-        <p:nvSpPr>
-          <p:cNvPr name="Freeform 4" id="4"/>
+        <p:txBody>
+          <a:bodyPr/>
+          <a:lstStyle/>
+          <a:p>
+            <a:endParaRPr lang="es-CL"/>
+          </a:p>
+        </p:txBody>
+      </p:sp>
+      <p:sp>
+        <p:nvSpPr>
+          <p:cNvPr id="4" name="Freeform 4"/>
           <p:cNvSpPr/>
           <p:nvPr/>
         </p:nvSpPr>
         <p:spPr>
-          <a:xfrm flipH="false" flipV="false" rot="0">
+          <a:xfrm>
             <a:off x="-830107" y="-1296384"/>
             <a:ext cx="4114800" cy="4114800"/>
           </a:xfrm>
@@ -7249,9 +7705,9 @@
             <a:gdLst/>
             <a:ahLst/>
             <a:cxnLst/>
-            <a:rect r="r" b="b" t="t" l="l"/>
+            <a:rect l="l" t="t" r="r" b="b"/>
             <a:pathLst>
-              <a:path h="4114800" w="4114800">
+              <a:path w="4114800" h="4114800">
                 <a:moveTo>
                   <a:pt x="0" y="0"/>
                 </a:moveTo>
@@ -7281,19 +7737,26 @@
               </a:extLst>
             </a:blip>
             <a:stretch>
-              <a:fillRect l="0" t="0" r="0" b="0"/>
+              <a:fillRect/>
             </a:stretch>
           </a:blipFill>
         </p:spPr>
-      </p:sp>
-      <p:sp>
-        <p:nvSpPr>
-          <p:cNvPr name="Freeform 5" id="5"/>
+        <p:txBody>
+          <a:bodyPr/>
+          <a:lstStyle/>
+          <a:p>
+            <a:endParaRPr lang="es-CL"/>
+          </a:p>
+        </p:txBody>
+      </p:sp>
+      <p:sp>
+        <p:nvSpPr>
+          <p:cNvPr id="5" name="Freeform 5"/>
           <p:cNvSpPr/>
           <p:nvPr/>
         </p:nvSpPr>
         <p:spPr>
-          <a:xfrm flipH="false" flipV="false" rot="-8194833">
+          <a:xfrm rot="-8194833">
             <a:off x="14482979" y="8370874"/>
             <a:ext cx="5020066" cy="5020066"/>
           </a:xfrm>
@@ -7302,9 +7765,9 @@
             <a:gdLst/>
             <a:ahLst/>
             <a:cxnLst/>
-            <a:rect r="r" b="b" t="t" l="l"/>
+            <a:rect l="l" t="t" r="r" b="b"/>
             <a:pathLst>
-              <a:path h="5020066" w="5020066">
+              <a:path w="5020066" h="5020066">
                 <a:moveTo>
                   <a:pt x="0" y="0"/>
                 </a:moveTo>
@@ -7334,19 +7797,26 @@
               </a:extLst>
             </a:blip>
             <a:stretch>
-              <a:fillRect l="0" t="0" r="0" b="0"/>
+              <a:fillRect/>
             </a:stretch>
           </a:blipFill>
         </p:spPr>
-      </p:sp>
-      <p:sp>
-        <p:nvSpPr>
-          <p:cNvPr name="Freeform 6" id="6"/>
+        <p:txBody>
+          <a:bodyPr/>
+          <a:lstStyle/>
+          <a:p>
+            <a:endParaRPr lang="es-CL"/>
+          </a:p>
+        </p:txBody>
+      </p:sp>
+      <p:sp>
+        <p:nvSpPr>
+          <p:cNvPr id="6" name="Freeform 6"/>
           <p:cNvSpPr/>
           <p:nvPr/>
         </p:nvSpPr>
         <p:spPr>
-          <a:xfrm flipH="false" flipV="false" rot="0">
+          <a:xfrm>
             <a:off x="518360" y="622001"/>
             <a:ext cx="1173233" cy="1164700"/>
           </a:xfrm>
@@ -7355,9 +7825,9 @@
             <a:gdLst/>
             <a:ahLst/>
             <a:cxnLst/>
-            <a:rect r="r" b="b" t="t" l="l"/>
+            <a:rect l="l" t="t" r="r" b="b"/>
             <a:pathLst>
-              <a:path h="1164700" w="1173233">
+              <a:path w="1173233" h="1164700">
                 <a:moveTo>
                   <a:pt x="0" y="0"/>
                 </a:moveTo>
@@ -7386,19 +7856,26 @@
               </a:extLst>
             </a:blip>
             <a:stretch>
-              <a:fillRect l="0" t="0" r="0" b="0"/>
+              <a:fillRect/>
             </a:stretch>
           </a:blipFill>
         </p:spPr>
-      </p:sp>
-      <p:sp>
-        <p:nvSpPr>
-          <p:cNvPr name="Freeform 7" id="7"/>
+        <p:txBody>
+          <a:bodyPr/>
+          <a:lstStyle/>
+          <a:p>
+            <a:endParaRPr lang="es-CL"/>
+          </a:p>
+        </p:txBody>
+      </p:sp>
+      <p:sp>
+        <p:nvSpPr>
+          <p:cNvPr id="7" name="Freeform 7"/>
           <p:cNvSpPr/>
           <p:nvPr/>
         </p:nvSpPr>
         <p:spPr>
-          <a:xfrm flipH="false" flipV="false" rot="0">
+          <a:xfrm>
             <a:off x="1227293" y="1973874"/>
             <a:ext cx="15286106" cy="7604838"/>
           </a:xfrm>
@@ -7407,9 +7884,9 @@
             <a:gdLst/>
             <a:ahLst/>
             <a:cxnLst/>
-            <a:rect r="r" b="b" t="t" l="l"/>
+            <a:rect l="l" t="t" r="r" b="b"/>
             <a:pathLst>
-              <a:path h="7604838" w="15286106">
+              <a:path w="15286106" h="7604838">
                 <a:moveTo>
                   <a:pt x="0" y="0"/>
                 </a:moveTo>
@@ -7432,19 +7909,26 @@
           <a:blipFill>
             <a:blip r:embed="rId7"/>
             <a:stretch>
-              <a:fillRect l="0" t="0" r="0" b="0"/>
+              <a:fillRect/>
             </a:stretch>
           </a:blipFill>
         </p:spPr>
-      </p:sp>
-      <p:sp>
-        <p:nvSpPr>
-          <p:cNvPr name="TextBox 8" id="8"/>
-          <p:cNvSpPr txBox="true"/>
-          <p:nvPr/>
-        </p:nvSpPr>
-        <p:spPr>
-          <a:xfrm rot="0">
+        <p:txBody>
+          <a:bodyPr/>
+          <a:lstStyle/>
+          <a:p>
+            <a:endParaRPr lang="es-CL"/>
+          </a:p>
+        </p:txBody>
+      </p:sp>
+      <p:sp>
+        <p:nvSpPr>
+          <p:cNvPr id="8" name="TextBox 8"/>
+          <p:cNvSpPr txBox="1"/>
+          <p:nvPr/>
+        </p:nvSpPr>
+        <p:spPr>
+          <a:xfrm>
             <a:off x="2239051" y="291550"/>
             <a:ext cx="13809898" cy="853207"/>
           </a:xfrm>
@@ -7453,7 +7937,7 @@
           </a:prstGeom>
         </p:spPr>
         <p:txBody>
-          <a:bodyPr anchor="t" rtlCol="false" tIns="0" lIns="0" bIns="0" rIns="0">
+          <a:bodyPr lIns="0" tIns="0" rIns="0" bIns="0" rtlCol="0" anchor="t">
             <a:spAutoFit/>
           </a:bodyPr>
           <a:lstStyle/>
@@ -7464,7 +7948,7 @@
               </a:lnSpc>
             </a:pPr>
             <a:r>
-              <a:rPr lang="en-US" b="true" sz="5000">
+              <a:rPr lang="en-US" sz="5000" b="1">
                 <a:solidFill>
                   <a:srgbClr val="404040"/>
                 </a:solidFill>
@@ -7487,7 +7971,7 @@
 </file>
 
 <file path=ppt/slides/slide8.xml><?xml version="1.0" encoding="utf-8"?>
-<p:sld xmlns:p="http://schemas.openxmlformats.org/presentationml/2006/main" xmlns:a="http://schemas.openxmlformats.org/drawingml/2006/main" xmlns:r="http://schemas.openxmlformats.org/officeDocument/2006/relationships">
+<p:sld xmlns:a="http://schemas.openxmlformats.org/drawingml/2006/main" xmlns:r="http://schemas.openxmlformats.org/officeDocument/2006/relationships" xmlns:p="http://schemas.openxmlformats.org/presentationml/2006/main">
   <p:cSld>
     <p:spTree>
       <p:nvGrpSpPr>
@@ -7505,12 +7989,12 @@
       </p:grpSpPr>
       <p:sp>
         <p:nvSpPr>
-          <p:cNvPr name="Freeform 2" id="2"/>
+          <p:cNvPr id="2" name="Freeform 2"/>
           <p:cNvSpPr/>
           <p:nvPr/>
         </p:nvSpPr>
         <p:spPr>
-          <a:xfrm flipH="false" flipV="false" rot="1748409">
+          <a:xfrm rot="1748409">
             <a:off x="-1871927" y="7973496"/>
             <a:ext cx="6755091" cy="6130246"/>
           </a:xfrm>
@@ -7519,9 +8003,9 @@
             <a:gdLst/>
             <a:ahLst/>
             <a:cxnLst/>
-            <a:rect r="r" b="b" t="t" l="l"/>
+            <a:rect l="l" t="t" r="r" b="b"/>
             <a:pathLst>
-              <a:path h="6130246" w="6755091">
+              <a:path w="6755091" h="6130246">
                 <a:moveTo>
                   <a:pt x="0" y="0"/>
                 </a:moveTo>
@@ -7546,19 +8030,26 @@
               <a:alphaModFix amt="21999"/>
             </a:blip>
             <a:stretch>
-              <a:fillRect l="0" t="0" r="0" b="0"/>
+              <a:fillRect/>
             </a:stretch>
           </a:blipFill>
         </p:spPr>
-      </p:sp>
-      <p:sp>
-        <p:nvSpPr>
-          <p:cNvPr name="Freeform 3" id="3"/>
+        <p:txBody>
+          <a:bodyPr/>
+          <a:lstStyle/>
+          <a:p>
+            <a:endParaRPr lang="es-CL"/>
+          </a:p>
+        </p:txBody>
+      </p:sp>
+      <p:sp>
+        <p:nvSpPr>
+          <p:cNvPr id="3" name="Freeform 3"/>
           <p:cNvSpPr/>
           <p:nvPr/>
         </p:nvSpPr>
         <p:spPr>
-          <a:xfrm flipH="false" flipV="false" rot="2223819">
+          <a:xfrm rot="2223819">
             <a:off x="10214960" y="-5715833"/>
             <a:ext cx="12596877" cy="11431666"/>
           </a:xfrm>
@@ -7567,9 +8058,9 @@
             <a:gdLst/>
             <a:ahLst/>
             <a:cxnLst/>
-            <a:rect r="r" b="b" t="t" l="l"/>
+            <a:rect l="l" t="t" r="r" b="b"/>
             <a:pathLst>
-              <a:path h="11431666" w="12596877">
+              <a:path w="12596877" h="11431666">
                 <a:moveTo>
                   <a:pt x="0" y="0"/>
                 </a:moveTo>
@@ -7594,19 +8085,26 @@
               <a:alphaModFix amt="10999"/>
             </a:blip>
             <a:stretch>
-              <a:fillRect l="0" t="0" r="0" b="0"/>
+              <a:fillRect/>
             </a:stretch>
           </a:blipFill>
         </p:spPr>
-      </p:sp>
-      <p:sp>
-        <p:nvSpPr>
-          <p:cNvPr name="Freeform 4" id="4"/>
+        <p:txBody>
+          <a:bodyPr/>
+          <a:lstStyle/>
+          <a:p>
+            <a:endParaRPr lang="es-CL"/>
+          </a:p>
+        </p:txBody>
+      </p:sp>
+      <p:sp>
+        <p:nvSpPr>
+          <p:cNvPr id="4" name="Freeform 4"/>
           <p:cNvSpPr/>
           <p:nvPr/>
         </p:nvSpPr>
         <p:spPr>
-          <a:xfrm flipH="false" flipV="false" rot="0">
+          <a:xfrm>
             <a:off x="-830107" y="-1296384"/>
             <a:ext cx="4114800" cy="4114800"/>
           </a:xfrm>
@@ -7615,9 +8113,9 @@
             <a:gdLst/>
             <a:ahLst/>
             <a:cxnLst/>
-            <a:rect r="r" b="b" t="t" l="l"/>
+            <a:rect l="l" t="t" r="r" b="b"/>
             <a:pathLst>
-              <a:path h="4114800" w="4114800">
+              <a:path w="4114800" h="4114800">
                 <a:moveTo>
                   <a:pt x="0" y="0"/>
                 </a:moveTo>
@@ -7647,19 +8145,26 @@
               </a:extLst>
             </a:blip>
             <a:stretch>
-              <a:fillRect l="0" t="0" r="0" b="0"/>
+              <a:fillRect/>
             </a:stretch>
           </a:blipFill>
         </p:spPr>
-      </p:sp>
-      <p:sp>
-        <p:nvSpPr>
-          <p:cNvPr name="Freeform 5" id="5"/>
+        <p:txBody>
+          <a:bodyPr/>
+          <a:lstStyle/>
+          <a:p>
+            <a:endParaRPr lang="es-CL"/>
+          </a:p>
+        </p:txBody>
+      </p:sp>
+      <p:sp>
+        <p:nvSpPr>
+          <p:cNvPr id="5" name="Freeform 5"/>
           <p:cNvSpPr/>
           <p:nvPr/>
         </p:nvSpPr>
         <p:spPr>
-          <a:xfrm flipH="false" flipV="false" rot="-8194833">
+          <a:xfrm rot="-8194833">
             <a:off x="14482979" y="8370874"/>
             <a:ext cx="5020066" cy="5020066"/>
           </a:xfrm>
@@ -7668,9 +8173,9 @@
             <a:gdLst/>
             <a:ahLst/>
             <a:cxnLst/>
-            <a:rect r="r" b="b" t="t" l="l"/>
+            <a:rect l="l" t="t" r="r" b="b"/>
             <a:pathLst>
-              <a:path h="5020066" w="5020066">
+              <a:path w="5020066" h="5020066">
                 <a:moveTo>
                   <a:pt x="0" y="0"/>
                 </a:moveTo>
@@ -7700,19 +8205,26 @@
               </a:extLst>
             </a:blip>
             <a:stretch>
-              <a:fillRect l="0" t="0" r="0" b="0"/>
+              <a:fillRect/>
             </a:stretch>
           </a:blipFill>
         </p:spPr>
-      </p:sp>
-      <p:sp>
-        <p:nvSpPr>
-          <p:cNvPr name="Freeform 6" id="6"/>
+        <p:txBody>
+          <a:bodyPr/>
+          <a:lstStyle/>
+          <a:p>
+            <a:endParaRPr lang="es-CL"/>
+          </a:p>
+        </p:txBody>
+      </p:sp>
+      <p:sp>
+        <p:nvSpPr>
+          <p:cNvPr id="6" name="Freeform 6"/>
           <p:cNvSpPr/>
           <p:nvPr/>
         </p:nvSpPr>
         <p:spPr>
-          <a:xfrm flipH="false" flipV="false" rot="0">
+          <a:xfrm>
             <a:off x="518360" y="622001"/>
             <a:ext cx="1173233" cy="1164700"/>
           </a:xfrm>
@@ -7721,9 +8233,9 @@
             <a:gdLst/>
             <a:ahLst/>
             <a:cxnLst/>
-            <a:rect r="r" b="b" t="t" l="l"/>
+            <a:rect l="l" t="t" r="r" b="b"/>
             <a:pathLst>
-              <a:path h="1164700" w="1173233">
+              <a:path w="1173233" h="1164700">
                 <a:moveTo>
                   <a:pt x="0" y="0"/>
                 </a:moveTo>
@@ -7752,19 +8264,26 @@
               </a:extLst>
             </a:blip>
             <a:stretch>
-              <a:fillRect l="0" t="0" r="0" b="0"/>
+              <a:fillRect/>
             </a:stretch>
           </a:blipFill>
         </p:spPr>
-      </p:sp>
-      <p:sp>
-        <p:nvSpPr>
-          <p:cNvPr name="Freeform 7" id="7"/>
+        <p:txBody>
+          <a:bodyPr/>
+          <a:lstStyle/>
+          <a:p>
+            <a:endParaRPr lang="es-CL"/>
+          </a:p>
+        </p:txBody>
+      </p:sp>
+      <p:sp>
+        <p:nvSpPr>
+          <p:cNvPr id="7" name="Freeform 7"/>
           <p:cNvSpPr/>
           <p:nvPr/>
         </p:nvSpPr>
         <p:spPr>
-          <a:xfrm flipH="false" flipV="false" rot="0">
+          <a:xfrm>
             <a:off x="4604882" y="2202236"/>
             <a:ext cx="8839758" cy="7643791"/>
           </a:xfrm>
@@ -7773,9 +8292,9 @@
             <a:gdLst/>
             <a:ahLst/>
             <a:cxnLst/>
-            <a:rect r="r" b="b" t="t" l="l"/>
+            <a:rect l="l" t="t" r="r" b="b"/>
             <a:pathLst>
-              <a:path h="7643791" w="8839758">
+              <a:path w="8839758" h="7643791">
                 <a:moveTo>
                   <a:pt x="0" y="0"/>
                 </a:moveTo>
@@ -7798,7 +8317,7 @@
           <a:blipFill>
             <a:blip r:embed="rId7"/>
             <a:stretch>
-              <a:fillRect l="0" t="0" r="0" b="0"/>
+              <a:fillRect/>
             </a:stretch>
           </a:blipFill>
           <a:ln w="38100" cap="sq">
@@ -7809,15 +8328,22 @@
             <a:miter/>
           </a:ln>
         </p:spPr>
-      </p:sp>
-      <p:sp>
-        <p:nvSpPr>
-          <p:cNvPr name="TextBox 8" id="8"/>
-          <p:cNvSpPr txBox="true"/>
-          <p:nvPr/>
-        </p:nvSpPr>
-        <p:spPr>
-          <a:xfrm rot="0">
+        <p:txBody>
+          <a:bodyPr/>
+          <a:lstStyle/>
+          <a:p>
+            <a:endParaRPr lang="es-CL"/>
+          </a:p>
+        </p:txBody>
+      </p:sp>
+      <p:sp>
+        <p:nvSpPr>
+          <p:cNvPr id="8" name="TextBox 8"/>
+          <p:cNvSpPr txBox="1"/>
+          <p:nvPr/>
+        </p:nvSpPr>
+        <p:spPr>
+          <a:xfrm>
             <a:off x="2395299" y="942975"/>
             <a:ext cx="13809898" cy="853207"/>
           </a:xfrm>
@@ -7826,7 +8352,7 @@
           </a:prstGeom>
         </p:spPr>
         <p:txBody>
-          <a:bodyPr anchor="t" rtlCol="false" tIns="0" lIns="0" bIns="0" rIns="0">
+          <a:bodyPr lIns="0" tIns="0" rIns="0" bIns="0" rtlCol="0" anchor="t">
             <a:spAutoFit/>
           </a:bodyPr>
           <a:lstStyle/>
@@ -7837,7 +8363,7 @@
               </a:lnSpc>
             </a:pPr>
             <a:r>
-              <a:rPr lang="en-US" b="true" sz="5000">
+              <a:rPr lang="en-US" sz="5000" b="1">
                 <a:solidFill>
                   <a:srgbClr val="404040"/>
                 </a:solidFill>
@@ -7860,7 +8386,7 @@
 </file>
 
 <file path=ppt/slides/slide9.xml><?xml version="1.0" encoding="utf-8"?>
-<p:sld xmlns:p="http://schemas.openxmlformats.org/presentationml/2006/main" xmlns:a="http://schemas.openxmlformats.org/drawingml/2006/main" xmlns:r="http://schemas.openxmlformats.org/officeDocument/2006/relationships">
+<p:sld xmlns:a="http://schemas.openxmlformats.org/drawingml/2006/main" xmlns:r="http://schemas.openxmlformats.org/officeDocument/2006/relationships" xmlns:p="http://schemas.openxmlformats.org/presentationml/2006/main">
   <p:cSld>
     <p:spTree>
       <p:nvGrpSpPr>
@@ -7878,12 +8404,12 @@
       </p:grpSpPr>
       <p:sp>
         <p:nvSpPr>
-          <p:cNvPr name="Freeform 2" id="2"/>
+          <p:cNvPr id="2" name="Freeform 2"/>
           <p:cNvSpPr/>
           <p:nvPr/>
         </p:nvSpPr>
         <p:spPr>
-          <a:xfrm flipH="false" flipV="false" rot="1748409">
+          <a:xfrm rot="1748409">
             <a:off x="-1871927" y="7973496"/>
             <a:ext cx="6755091" cy="6130246"/>
           </a:xfrm>
@@ -7892,9 +8418,9 @@
             <a:gdLst/>
             <a:ahLst/>
             <a:cxnLst/>
-            <a:rect r="r" b="b" t="t" l="l"/>
+            <a:rect l="l" t="t" r="r" b="b"/>
             <a:pathLst>
-              <a:path h="6130246" w="6755091">
+              <a:path w="6755091" h="6130246">
                 <a:moveTo>
                   <a:pt x="0" y="0"/>
                 </a:moveTo>
@@ -7919,19 +8445,26 @@
               <a:alphaModFix amt="21999"/>
             </a:blip>
             <a:stretch>
-              <a:fillRect l="0" t="0" r="0" b="0"/>
+              <a:fillRect/>
             </a:stretch>
           </a:blipFill>
         </p:spPr>
-      </p:sp>
-      <p:sp>
-        <p:nvSpPr>
-          <p:cNvPr name="Freeform 3" id="3"/>
+        <p:txBody>
+          <a:bodyPr/>
+          <a:lstStyle/>
+          <a:p>
+            <a:endParaRPr lang="es-CL"/>
+          </a:p>
+        </p:txBody>
+      </p:sp>
+      <p:sp>
+        <p:nvSpPr>
+          <p:cNvPr id="3" name="Freeform 3"/>
           <p:cNvSpPr/>
           <p:nvPr/>
         </p:nvSpPr>
         <p:spPr>
-          <a:xfrm flipH="false" flipV="false" rot="2223819">
+          <a:xfrm rot="2223819">
             <a:off x="10214960" y="-5715833"/>
             <a:ext cx="12596877" cy="11431666"/>
           </a:xfrm>
@@ -7940,9 +8473,9 @@
             <a:gdLst/>
             <a:ahLst/>
             <a:cxnLst/>
-            <a:rect r="r" b="b" t="t" l="l"/>
+            <a:rect l="l" t="t" r="r" b="b"/>
             <a:pathLst>
-              <a:path h="11431666" w="12596877">
+              <a:path w="12596877" h="11431666">
                 <a:moveTo>
                   <a:pt x="0" y="0"/>
                 </a:moveTo>
@@ -7967,19 +8500,26 @@
               <a:alphaModFix amt="10999"/>
             </a:blip>
             <a:stretch>
-              <a:fillRect l="0" t="0" r="0" b="0"/>
+              <a:fillRect/>
             </a:stretch>
           </a:blipFill>
         </p:spPr>
-      </p:sp>
-      <p:sp>
-        <p:nvSpPr>
-          <p:cNvPr name="Freeform 4" id="4"/>
+        <p:txBody>
+          <a:bodyPr/>
+          <a:lstStyle/>
+          <a:p>
+            <a:endParaRPr lang="es-CL"/>
+          </a:p>
+        </p:txBody>
+      </p:sp>
+      <p:sp>
+        <p:nvSpPr>
+          <p:cNvPr id="4" name="Freeform 4"/>
           <p:cNvSpPr/>
           <p:nvPr/>
         </p:nvSpPr>
         <p:spPr>
-          <a:xfrm flipH="false" flipV="false" rot="0">
+          <a:xfrm>
             <a:off x="-830107" y="-1296384"/>
             <a:ext cx="4114800" cy="4114800"/>
           </a:xfrm>
@@ -7988,9 +8528,9 @@
             <a:gdLst/>
             <a:ahLst/>
             <a:cxnLst/>
-            <a:rect r="r" b="b" t="t" l="l"/>
+            <a:rect l="l" t="t" r="r" b="b"/>
             <a:pathLst>
-              <a:path h="4114800" w="4114800">
+              <a:path w="4114800" h="4114800">
                 <a:moveTo>
                   <a:pt x="0" y="0"/>
                 </a:moveTo>
@@ -8020,19 +8560,26 @@
               </a:extLst>
             </a:blip>
             <a:stretch>
-              <a:fillRect l="0" t="0" r="0" b="0"/>
+              <a:fillRect/>
             </a:stretch>
           </a:blipFill>
         </p:spPr>
-      </p:sp>
-      <p:sp>
-        <p:nvSpPr>
-          <p:cNvPr name="Freeform 5" id="5"/>
+        <p:txBody>
+          <a:bodyPr/>
+          <a:lstStyle/>
+          <a:p>
+            <a:endParaRPr lang="es-CL"/>
+          </a:p>
+        </p:txBody>
+      </p:sp>
+      <p:sp>
+        <p:nvSpPr>
+          <p:cNvPr id="5" name="Freeform 5"/>
           <p:cNvSpPr/>
           <p:nvPr/>
         </p:nvSpPr>
         <p:spPr>
-          <a:xfrm flipH="false" flipV="false" rot="-8194833">
+          <a:xfrm rot="-8194833">
             <a:off x="14482979" y="8370874"/>
             <a:ext cx="5020066" cy="5020066"/>
           </a:xfrm>
@@ -8041,9 +8588,9 @@
             <a:gdLst/>
             <a:ahLst/>
             <a:cxnLst/>
-            <a:rect r="r" b="b" t="t" l="l"/>
+            <a:rect l="l" t="t" r="r" b="b"/>
             <a:pathLst>
-              <a:path h="5020066" w="5020066">
+              <a:path w="5020066" h="5020066">
                 <a:moveTo>
                   <a:pt x="0" y="0"/>
                 </a:moveTo>
@@ -8073,19 +8620,26 @@
               </a:extLst>
             </a:blip>
             <a:stretch>
-              <a:fillRect l="0" t="0" r="0" b="0"/>
+              <a:fillRect/>
             </a:stretch>
           </a:blipFill>
         </p:spPr>
-      </p:sp>
-      <p:sp>
-        <p:nvSpPr>
-          <p:cNvPr name="Freeform 6" id="6"/>
+        <p:txBody>
+          <a:bodyPr/>
+          <a:lstStyle/>
+          <a:p>
+            <a:endParaRPr lang="es-CL"/>
+          </a:p>
+        </p:txBody>
+      </p:sp>
+      <p:sp>
+        <p:nvSpPr>
+          <p:cNvPr id="6" name="Freeform 6"/>
           <p:cNvSpPr/>
           <p:nvPr/>
         </p:nvSpPr>
         <p:spPr>
-          <a:xfrm flipH="false" flipV="false" rot="0">
+          <a:xfrm>
             <a:off x="518360" y="622001"/>
             <a:ext cx="1173233" cy="1164700"/>
           </a:xfrm>
@@ -8094,9 +8648,9 @@
             <a:gdLst/>
             <a:ahLst/>
             <a:cxnLst/>
-            <a:rect r="r" b="b" t="t" l="l"/>
+            <a:rect l="l" t="t" r="r" b="b"/>
             <a:pathLst>
-              <a:path h="1164700" w="1173233">
+              <a:path w="1173233" h="1164700">
                 <a:moveTo>
                   <a:pt x="0" y="0"/>
                 </a:moveTo>
@@ -8125,19 +8679,26 @@
               </a:extLst>
             </a:blip>
             <a:stretch>
-              <a:fillRect l="0" t="0" r="0" b="0"/>
+              <a:fillRect/>
             </a:stretch>
           </a:blipFill>
         </p:spPr>
-      </p:sp>
-      <p:sp>
-        <p:nvSpPr>
-          <p:cNvPr name="Freeform 7" id="7"/>
+        <p:txBody>
+          <a:bodyPr/>
+          <a:lstStyle/>
+          <a:p>
+            <a:endParaRPr lang="es-CL"/>
+          </a:p>
+        </p:txBody>
+      </p:sp>
+      <p:sp>
+        <p:nvSpPr>
+          <p:cNvPr id="7" name="Freeform 7"/>
           <p:cNvSpPr/>
           <p:nvPr/>
         </p:nvSpPr>
         <p:spPr>
-          <a:xfrm flipH="false" flipV="false" rot="0">
+          <a:xfrm>
             <a:off x="3165975" y="2291407"/>
             <a:ext cx="11730206" cy="7038124"/>
           </a:xfrm>
@@ -8146,9 +8707,9 @@
             <a:gdLst/>
             <a:ahLst/>
             <a:cxnLst/>
-            <a:rect r="r" b="b" t="t" l="l"/>
+            <a:rect l="l" t="t" r="r" b="b"/>
             <a:pathLst>
-              <a:path h="7038124" w="11730206">
+              <a:path w="11730206" h="7038124">
                 <a:moveTo>
                   <a:pt x="0" y="0"/>
                 </a:moveTo>
@@ -8171,7 +8732,7 @@
           <a:blipFill>
             <a:blip r:embed="rId7"/>
             <a:stretch>
-              <a:fillRect l="0" t="0" r="0" b="0"/>
+              <a:fillRect/>
             </a:stretch>
           </a:blipFill>
           <a:ln w="38100" cap="sq">
@@ -8182,15 +8743,22 @@
             <a:miter/>
           </a:ln>
         </p:spPr>
-      </p:sp>
-      <p:sp>
-        <p:nvSpPr>
-          <p:cNvPr name="TextBox 8" id="8"/>
-          <p:cNvSpPr txBox="true"/>
-          <p:nvPr/>
-        </p:nvSpPr>
-        <p:spPr>
-          <a:xfrm rot="0">
+        <p:txBody>
+          <a:bodyPr/>
+          <a:lstStyle/>
+          <a:p>
+            <a:endParaRPr lang="es-CL"/>
+          </a:p>
+        </p:txBody>
+      </p:sp>
+      <p:sp>
+        <p:nvSpPr>
+          <p:cNvPr id="8" name="TextBox 8"/>
+          <p:cNvSpPr txBox="1"/>
+          <p:nvPr/>
+        </p:nvSpPr>
+        <p:spPr>
+          <a:xfrm>
             <a:off x="2239051" y="942975"/>
             <a:ext cx="13809898" cy="853207"/>
           </a:xfrm>
@@ -8199,7 +8767,7 @@
           </a:prstGeom>
         </p:spPr>
         <p:txBody>
-          <a:bodyPr anchor="t" rtlCol="false" tIns="0" lIns="0" bIns="0" rIns="0">
+          <a:bodyPr lIns="0" tIns="0" rIns="0" bIns="0" rtlCol="0" anchor="t">
             <a:spAutoFit/>
           </a:bodyPr>
           <a:lstStyle/>
@@ -8210,7 +8778,7 @@
               </a:lnSpc>
             </a:pPr>
             <a:r>
-              <a:rPr lang="en-US" b="true" sz="5000">
+              <a:rPr lang="en-US" sz="5000" b="1">
                 <a:solidFill>
                   <a:srgbClr val="404040"/>
                 </a:solidFill>
